--- a/IFRS Engine.pptx
+++ b/IFRS Engine.pptx
@@ -118,6 +118,11 @@
       </a:defRPr>
     </a:lvl9pPr>
   </p:defaultTextStyle>
+  <p:extLst>
+    <p:ext uri="{EFAFB233-063F-42B5-8137-9DF3F51BA10A}">
+      <p15:sldGuideLst xmlns:p15="http://schemas.microsoft.com/office/powerpoint/2012/main"/>
+    </p:ext>
+  </p:extLst>
 </p:presentation>
 </file>
 
@@ -203,7 +208,7 @@
           <a:p>
             <a:fld id="{58696E82-1ECA-4532-8914-5E420A0E6E70}" type="datetimeFigureOut">
               <a:rPr lang="en-US" smtClean="0"/>
-              <a:t>1/30/2026</a:t>
+              <a:t>1/31/2026</a:t>
             </a:fld>
             <a:endParaRPr lang="en-US"/>
           </a:p>
@@ -917,7 +922,7 @@
           <a:p>
             <a:fld id="{049A57F5-22E1-475F-A2EB-0BB6F040A9E1}" type="datetimeFigureOut">
               <a:rPr lang="en-US" smtClean="0"/>
-              <a:t>1/30/2026</a:t>
+              <a:t>1/31/2026</a:t>
             </a:fld>
             <a:endParaRPr lang="en-US"/>
           </a:p>
@@ -1115,7 +1120,7 @@
           <a:p>
             <a:fld id="{049A57F5-22E1-475F-A2EB-0BB6F040A9E1}" type="datetimeFigureOut">
               <a:rPr lang="en-US" smtClean="0"/>
-              <a:t>1/30/2026</a:t>
+              <a:t>1/31/2026</a:t>
             </a:fld>
             <a:endParaRPr lang="en-US"/>
           </a:p>
@@ -1323,7 +1328,7 @@
           <a:p>
             <a:fld id="{049A57F5-22E1-475F-A2EB-0BB6F040A9E1}" type="datetimeFigureOut">
               <a:rPr lang="en-US" smtClean="0"/>
-              <a:t>1/30/2026</a:t>
+              <a:t>1/31/2026</a:t>
             </a:fld>
             <a:endParaRPr lang="en-US"/>
           </a:p>
@@ -1521,7 +1526,7 @@
           <a:p>
             <a:fld id="{049A57F5-22E1-475F-A2EB-0BB6F040A9E1}" type="datetimeFigureOut">
               <a:rPr lang="en-US" smtClean="0"/>
-              <a:t>1/30/2026</a:t>
+              <a:t>1/31/2026</a:t>
             </a:fld>
             <a:endParaRPr lang="en-US"/>
           </a:p>
@@ -1796,7 +1801,7 @@
           <a:p>
             <a:fld id="{049A57F5-22E1-475F-A2EB-0BB6F040A9E1}" type="datetimeFigureOut">
               <a:rPr lang="en-US" smtClean="0"/>
-              <a:t>1/30/2026</a:t>
+              <a:t>1/31/2026</a:t>
             </a:fld>
             <a:endParaRPr lang="en-US"/>
           </a:p>
@@ -2061,7 +2066,7 @@
           <a:p>
             <a:fld id="{049A57F5-22E1-475F-A2EB-0BB6F040A9E1}" type="datetimeFigureOut">
               <a:rPr lang="en-US" smtClean="0"/>
-              <a:t>1/30/2026</a:t>
+              <a:t>1/31/2026</a:t>
             </a:fld>
             <a:endParaRPr lang="en-US"/>
           </a:p>
@@ -2473,7 +2478,7 @@
           <a:p>
             <a:fld id="{049A57F5-22E1-475F-A2EB-0BB6F040A9E1}" type="datetimeFigureOut">
               <a:rPr lang="en-US" smtClean="0"/>
-              <a:t>1/30/2026</a:t>
+              <a:t>1/31/2026</a:t>
             </a:fld>
             <a:endParaRPr lang="en-US"/>
           </a:p>
@@ -2614,7 +2619,7 @@
           <a:p>
             <a:fld id="{049A57F5-22E1-475F-A2EB-0BB6F040A9E1}" type="datetimeFigureOut">
               <a:rPr lang="en-US" smtClean="0"/>
-              <a:t>1/30/2026</a:t>
+              <a:t>1/31/2026</a:t>
             </a:fld>
             <a:endParaRPr lang="en-US"/>
           </a:p>
@@ -2727,7 +2732,7 @@
           <a:p>
             <a:fld id="{049A57F5-22E1-475F-A2EB-0BB6F040A9E1}" type="datetimeFigureOut">
               <a:rPr lang="en-US" smtClean="0"/>
-              <a:t>1/30/2026</a:t>
+              <a:t>1/31/2026</a:t>
             </a:fld>
             <a:endParaRPr lang="en-US"/>
           </a:p>
@@ -3038,7 +3043,7 @@
           <a:p>
             <a:fld id="{049A57F5-22E1-475F-A2EB-0BB6F040A9E1}" type="datetimeFigureOut">
               <a:rPr lang="en-US" smtClean="0"/>
-              <a:t>1/30/2026</a:t>
+              <a:t>1/31/2026</a:t>
             </a:fld>
             <a:endParaRPr lang="en-US"/>
           </a:p>
@@ -3326,7 +3331,7 @@
           <a:p>
             <a:fld id="{049A57F5-22E1-475F-A2EB-0BB6F040A9E1}" type="datetimeFigureOut">
               <a:rPr lang="en-US" smtClean="0"/>
-              <a:t>1/30/2026</a:t>
+              <a:t>1/31/2026</a:t>
             </a:fld>
             <a:endParaRPr lang="en-US"/>
           </a:p>
@@ -3403,9 +3408,39 @@
 <p:sldMaster xmlns:a="http://schemas.openxmlformats.org/drawingml/2006/main" xmlns:r="http://schemas.openxmlformats.org/officeDocument/2006/relationships" xmlns:p="http://schemas.openxmlformats.org/presentationml/2006/main">
   <p:cSld>
     <p:bg>
-      <p:bgRef idx="1001">
-        <a:schemeClr val="bg1"/>
-      </p:bgRef>
+      <p:bgPr>
+        <a:gradFill flip="none" rotWithShape="1">
+          <a:gsLst>
+            <a:gs pos="0">
+              <a:schemeClr val="accent1">
+                <a:lumMod val="5000"/>
+                <a:lumOff val="95000"/>
+              </a:schemeClr>
+            </a:gs>
+            <a:gs pos="74000">
+              <a:schemeClr val="accent1">
+                <a:lumMod val="45000"/>
+                <a:lumOff val="55000"/>
+              </a:schemeClr>
+            </a:gs>
+            <a:gs pos="83000">
+              <a:schemeClr val="accent1">
+                <a:lumMod val="45000"/>
+                <a:lumOff val="55000"/>
+              </a:schemeClr>
+            </a:gs>
+            <a:gs pos="100000">
+              <a:schemeClr val="accent1">
+                <a:lumMod val="30000"/>
+                <a:lumOff val="70000"/>
+              </a:schemeClr>
+            </a:gs>
+          </a:gsLst>
+          <a:lin ang="2700000" scaled="1"/>
+          <a:tileRect/>
+        </a:gradFill>
+        <a:effectLst/>
+      </p:bgPr>
     </p:bg>
     <p:spTree>
       <p:nvGrpSpPr>
@@ -3567,7 +3602,7 @@
           <a:p>
             <a:fld id="{049A57F5-22E1-475F-A2EB-0BB6F040A9E1}" type="datetimeFigureOut">
               <a:rPr lang="en-US" smtClean="0"/>
-              <a:t>1/30/2026</a:t>
+              <a:t>1/31/2026</a:t>
             </a:fld>
             <a:endParaRPr lang="en-US"/>
           </a:p>
@@ -4002,8 +4037,8 @@
         </p:nvSpPr>
         <p:spPr>
           <a:xfrm>
-            <a:off x="4543425" y="193676"/>
-            <a:ext cx="2371725" cy="558800"/>
+            <a:off x="1566407" y="1755971"/>
+            <a:ext cx="9947082" cy="3050697"/>
           </a:xfrm>
         </p:spPr>
         <p:txBody>
@@ -4013,121 +4048,150 @@
           <a:lstStyle/>
           <a:p>
             <a:r>
-              <a:rPr lang="en-US" sz="1600" b="1" dirty="0">
-                <a:latin typeface="Times New Roman" panose="02020603050405020304" pitchFamily="18" charset="0"/>
-                <a:cs typeface="Times New Roman" panose="02020603050405020304" pitchFamily="18" charset="0"/>
-              </a:rPr>
-              <a:t>IFRS 9 ECL ENGINE</a:t>
+              <a:rPr lang="en-US" sz="2400" b="1" dirty="0">
+                <a:latin typeface="Times New Roman" panose="02020603050405020304" pitchFamily="18" charset="0"/>
+                <a:cs typeface="Times New Roman" panose="02020603050405020304" pitchFamily="18" charset="0"/>
+              </a:rPr>
+              <a:t>Transforming IFRS 9 Compliance: A streamlined ECL Engine Solution</a:t>
             </a:r>
             <a:br>
-              <a:rPr lang="en-US" sz="1600" b="1" dirty="0">
+              <a:rPr lang="en-US" sz="2400" b="1" dirty="0">
                 <a:latin typeface="Times New Roman" panose="02020603050405020304" pitchFamily="18" charset="0"/>
                 <a:cs typeface="Times New Roman" panose="02020603050405020304" pitchFamily="18" charset="0"/>
               </a:rPr>
             </a:br>
             <a:r>
-              <a:rPr lang="en-US" sz="1600" b="1" dirty="0">
+              <a:rPr lang="en-US" sz="2400" b="1" dirty="0">
+                <a:latin typeface="Times New Roman" panose="02020603050405020304" pitchFamily="18" charset="0"/>
+                <a:cs typeface="Times New Roman" panose="02020603050405020304" pitchFamily="18" charset="0"/>
+              </a:rPr>
+              <a:t>							</a:t>
+            </a:r>
+            <a:r>
+              <a:rPr lang="en-US" sz="1400" b="1" dirty="0">
+                <a:latin typeface="Times New Roman" panose="02020603050405020304" pitchFamily="18" charset="0"/>
+                <a:cs typeface="Times New Roman" panose="02020603050405020304" pitchFamily="18" charset="0"/>
+              </a:rPr>
+              <a:t>Compliant, Auditable, Deployable</a:t>
+            </a:r>
+            <a:br>
+              <a:rPr lang="en-US" sz="2400" b="1" dirty="0">
+                <a:latin typeface="Times New Roman" panose="02020603050405020304" pitchFamily="18" charset="0"/>
+                <a:cs typeface="Times New Roman" panose="02020603050405020304" pitchFamily="18" charset="0"/>
+              </a:rPr>
+            </a:br>
+            <a:br>
+              <a:rPr lang="en-US" sz="2400" b="1" dirty="0">
+                <a:latin typeface="Times New Roman" panose="02020603050405020304" pitchFamily="18" charset="0"/>
+                <a:cs typeface="Times New Roman" panose="02020603050405020304" pitchFamily="18" charset="0"/>
+              </a:rPr>
+            </a:br>
+            <a:r>
+              <a:rPr lang="en-US" sz="2400" b="1" dirty="0">
+                <a:latin typeface="Times New Roman" panose="02020603050405020304" pitchFamily="18" charset="0"/>
+                <a:cs typeface="Times New Roman" panose="02020603050405020304" pitchFamily="18" charset="0"/>
+              </a:rPr>
+              <a:t>• Lifetime PD</a:t>
+            </a:r>
+            <a:br>
+              <a:rPr lang="en-US" sz="2400" b="1" dirty="0">
+                <a:latin typeface="Times New Roman" panose="02020603050405020304" pitchFamily="18" charset="0"/>
+                <a:cs typeface="Times New Roman" panose="02020603050405020304" pitchFamily="18" charset="0"/>
+              </a:rPr>
+            </a:br>
+            <a:r>
+              <a:rPr lang="en-US" sz="2400" b="1" dirty="0">
+                <a:latin typeface="Times New Roman" panose="02020603050405020304" pitchFamily="18" charset="0"/>
+                <a:cs typeface="Times New Roman" panose="02020603050405020304" pitchFamily="18" charset="0"/>
+              </a:rPr>
+              <a:t>• Cashflow LGD </a:t>
+            </a:r>
+            <a:br>
+              <a:rPr lang="en-US" sz="2400" b="1" dirty="0">
+                <a:latin typeface="Times New Roman" panose="02020603050405020304" pitchFamily="18" charset="0"/>
+                <a:cs typeface="Times New Roman" panose="02020603050405020304" pitchFamily="18" charset="0"/>
+              </a:rPr>
+            </a:br>
+            <a:r>
+              <a:rPr lang="en-US" sz="2400" b="1" dirty="0">
+                <a:latin typeface="Times New Roman" panose="02020603050405020304" pitchFamily="18" charset="0"/>
+                <a:cs typeface="Times New Roman" panose="02020603050405020304" pitchFamily="18" charset="0"/>
+              </a:rPr>
+              <a:t>• Stage 3 ECL </a:t>
+            </a:r>
+            <a:br>
+              <a:rPr lang="en-US" sz="2400" b="1" dirty="0">
+                <a:latin typeface="Times New Roman" panose="02020603050405020304" pitchFamily="18" charset="0"/>
+                <a:cs typeface="Times New Roman" panose="02020603050405020304" pitchFamily="18" charset="0"/>
+              </a:rPr>
+            </a:br>
+            <a:r>
+              <a:rPr lang="en-US" sz="2400" b="1" dirty="0">
+                <a:latin typeface="Times New Roman" panose="02020603050405020304" pitchFamily="18" charset="0"/>
+                <a:cs typeface="Times New Roman" panose="02020603050405020304" pitchFamily="18" charset="0"/>
+              </a:rPr>
+              <a:t>• Scenario-Weighted</a:t>
+            </a:r>
+            <a:br>
+              <a:rPr lang="en-US" sz="2400" b="1" dirty="0">
+                <a:latin typeface="Times New Roman" panose="02020603050405020304" pitchFamily="18" charset="0"/>
+                <a:cs typeface="Times New Roman" panose="02020603050405020304" pitchFamily="18" charset="0"/>
+              </a:rPr>
+            </a:br>
+            <a:br>
+              <a:rPr lang="en-US" sz="2400" b="1" dirty="0">
+                <a:latin typeface="Times New Roman" panose="02020603050405020304" pitchFamily="18" charset="0"/>
+                <a:cs typeface="Times New Roman" panose="02020603050405020304" pitchFamily="18" charset="0"/>
+              </a:rPr>
+            </a:br>
+            <a:br>
+              <a:rPr lang="en-US" sz="2400" b="1" dirty="0">
+                <a:latin typeface="Times New Roman" panose="02020603050405020304" pitchFamily="18" charset="0"/>
+                <a:cs typeface="Times New Roman" panose="02020603050405020304" pitchFamily="18" charset="0"/>
+              </a:rPr>
+            </a:br>
+            <a:r>
+              <a:rPr lang="en-US" sz="2400" b="1" dirty="0">
                 <a:latin typeface="Times New Roman" panose="02020603050405020304" pitchFamily="18" charset="0"/>
                 <a:cs typeface="Times New Roman" panose="02020603050405020304" pitchFamily="18" charset="0"/>
               </a:rPr>
               <a:t>	</a:t>
             </a:r>
-            <a:br>
-              <a:rPr lang="en-US" sz="1600" b="1" dirty="0">
-                <a:latin typeface="Times New Roman" panose="02020603050405020304" pitchFamily="18" charset="0"/>
-                <a:cs typeface="Times New Roman" panose="02020603050405020304" pitchFamily="18" charset="0"/>
-              </a:rPr>
-            </a:br>
-            <a:endParaRPr lang="en-US" sz="1600" b="1" dirty="0">
-              <a:latin typeface="Times New Roman" panose="02020603050405020304" pitchFamily="18" charset="0"/>
-              <a:cs typeface="Times New Roman" panose="02020603050405020304" pitchFamily="18" charset="0"/>
-            </a:endParaRPr>
           </a:p>
         </p:txBody>
       </p:sp>
       <p:sp>
         <p:nvSpPr>
-          <p:cNvPr id="3" name="Content Placeholder 2">
+          <p:cNvPr id="6" name="TextBox 5">
             <a:extLst>
               <a:ext uri="{FF2B5EF4-FFF2-40B4-BE49-F238E27FC236}">
-                <a16:creationId xmlns:a16="http://schemas.microsoft.com/office/drawing/2014/main" id="{75880A3A-EF5F-1FE3-B8C2-E65B466A8033}"/>
+                <a16:creationId xmlns:a16="http://schemas.microsoft.com/office/drawing/2014/main" id="{458F72D7-A1C0-66EB-A199-3E985F6A539D}"/>
               </a:ext>
             </a:extLst>
           </p:cNvPr>
-          <p:cNvSpPr>
-            <a:spLocks noGrp="1"/>
-          </p:cNvSpPr>
-          <p:nvPr>
-            <p:ph idx="1"/>
-          </p:nvPr>
+          <p:cNvSpPr txBox="1"/>
+          <p:nvPr/>
         </p:nvSpPr>
         <p:spPr>
           <a:xfrm>
-            <a:off x="628650" y="635000"/>
-            <a:ext cx="10515600" cy="4351338"/>
+            <a:off x="9309219" y="5510746"/>
+            <a:ext cx="2393540" cy="369332"/>
           </a:xfrm>
+          <a:prstGeom prst="rect">
+            <a:avLst/>
+          </a:prstGeom>
+          <a:noFill/>
         </p:spPr>
         <p:txBody>
-          <a:bodyPr>
-            <a:normAutofit/>
+          <a:bodyPr wrap="none" rtlCol="0">
+            <a:spAutoFit/>
           </a:bodyPr>
           <a:lstStyle/>
           <a:p>
             <a:r>
-              <a:rPr lang="en-US" sz="1400" b="1" dirty="0">
-                <a:latin typeface="Times New Roman" panose="02020603050405020304" pitchFamily="18" charset="0"/>
-                <a:cs typeface="Times New Roman" panose="02020603050405020304" pitchFamily="18" charset="0"/>
-              </a:rPr>
-              <a:t>Subtitle: Compliant, Auditable, Deployable</a:t>
-            </a:r>
-          </a:p>
-          <a:p>
-            <a:r>
-              <a:rPr lang="en-US" sz="1400" b="1" dirty="0">
-                <a:latin typeface="Times New Roman" panose="02020603050405020304" pitchFamily="18" charset="0"/>
-                <a:cs typeface="Times New Roman" panose="02020603050405020304" pitchFamily="18" charset="0"/>
-              </a:rPr>
-              <a:t>Tagline: Lifetime PD • Cashflow LGD • Stage 3 ECL • Scenario-Weighted</a:t>
-            </a:r>
-          </a:p>
-          <a:p>
-            <a:r>
-              <a:rPr lang="en-US" sz="1400" b="1" dirty="0">
-                <a:latin typeface="Times New Roman" panose="02020603050405020304" pitchFamily="18" charset="0"/>
-                <a:cs typeface="Times New Roman" panose="02020603050405020304" pitchFamily="18" charset="0"/>
-              </a:rPr>
-              <a:t>[Your Company Logo]</a:t>
-            </a:r>
-          </a:p>
-          <a:p>
-            <a:r>
-              <a:rPr lang="en-US" sz="1400" b="1" dirty="0">
-                <a:latin typeface="Times New Roman" panose="02020603050405020304" pitchFamily="18" charset="0"/>
-                <a:cs typeface="Times New Roman" panose="02020603050405020304" pitchFamily="18" charset="0"/>
-              </a:rPr>
-              <a:t>Presenter: [Your Name]</a:t>
-            </a:r>
-          </a:p>
-          <a:p>
-            <a:r>
-              <a:rPr lang="en-US" sz="1400" b="1" dirty="0">
-                <a:latin typeface="Times New Roman" panose="02020603050405020304" pitchFamily="18" charset="0"/>
-                <a:cs typeface="Times New Roman" panose="02020603050405020304" pitchFamily="18" charset="0"/>
-              </a:rPr>
-              <a:t>Date: [Presentation Date]</a:t>
-            </a:r>
-          </a:p>
-          <a:p>
-            <a:br>
-              <a:rPr lang="en-US" sz="1400" dirty="0">
-                <a:latin typeface="Times New Roman" panose="02020603050405020304" pitchFamily="18" charset="0"/>
-                <a:cs typeface="Times New Roman" panose="02020603050405020304" pitchFamily="18" charset="0"/>
-              </a:rPr>
-            </a:br>
-            <a:endParaRPr lang="en-US" sz="1400" dirty="0">
-              <a:latin typeface="Times New Roman" panose="02020603050405020304" pitchFamily="18" charset="0"/>
-              <a:cs typeface="Times New Roman" panose="02020603050405020304" pitchFamily="18" charset="0"/>
-            </a:endParaRPr>
+              <a:rPr lang="en-US" b="1" dirty="0"/>
+              <a:t>Kore Sampath Kumar</a:t>
+            </a:r>
           </a:p>
         </p:txBody>
       </p:sp>
@@ -4200,7 +4264,7 @@
                 <a:latin typeface="Times New Roman" panose="02020603050405020304" pitchFamily="18" charset="0"/>
                 <a:cs typeface="Times New Roman" panose="02020603050405020304" pitchFamily="18" charset="0"/>
               </a:rPr>
-              <a:t>10: Architecture &amp; Integration</a:t>
+              <a:t>Architecture &amp; Integration</a:t>
             </a:r>
             <a:endParaRPr lang="en-US" sz="1600" dirty="0">
               <a:latin typeface="Times New Roman" panose="02020603050405020304" pitchFamily="18" charset="0"/>
@@ -4227,7 +4291,7 @@
         </p:nvSpPr>
         <p:spPr>
           <a:xfrm>
-            <a:off x="815340" y="842645"/>
+            <a:off x="735827" y="630872"/>
             <a:ext cx="3360420" cy="5596255"/>
           </a:xfrm>
         </p:spPr>
@@ -4258,7 +4322,10 @@
             </a:r>
           </a:p>
           <a:p>
-            <a:pPr lvl="1"/>
+            <a:pPr lvl="1">
+              <a:buFont typeface="Wingdings" panose="05000000000000000000" pitchFamily="2" charset="2"/>
+              <a:buChar char="Ø"/>
+            </a:pPr>
             <a:r>
               <a:rPr lang="en-US" sz="1400" dirty="0">
                 <a:latin typeface="Times New Roman" panose="02020603050405020304" pitchFamily="18" charset="0"/>
@@ -4268,7 +4335,10 @@
             </a:r>
           </a:p>
           <a:p>
-            <a:pPr lvl="1"/>
+            <a:pPr lvl="1">
+              <a:buFont typeface="Wingdings" panose="05000000000000000000" pitchFamily="2" charset="2"/>
+              <a:buChar char="Ø"/>
+            </a:pPr>
             <a:r>
               <a:rPr lang="en-US" sz="1400" dirty="0">
                 <a:latin typeface="Times New Roman" panose="02020603050405020304" pitchFamily="18" charset="0"/>
@@ -4278,7 +4348,10 @@
             </a:r>
           </a:p>
           <a:p>
-            <a:pPr lvl="1"/>
+            <a:pPr lvl="1">
+              <a:buFont typeface="Wingdings" panose="05000000000000000000" pitchFamily="2" charset="2"/>
+              <a:buChar char="Ø"/>
+            </a:pPr>
             <a:r>
               <a:rPr lang="en-US" sz="1400" dirty="0">
                 <a:latin typeface="Times New Roman" panose="02020603050405020304" pitchFamily="18" charset="0"/>
@@ -4309,7 +4382,10 @@
             </a:r>
           </a:p>
           <a:p>
-            <a:pPr lvl="1"/>
+            <a:pPr lvl="1">
+              <a:buFont typeface="Wingdings" panose="05000000000000000000" pitchFamily="2" charset="2"/>
+              <a:buChar char="Ø"/>
+            </a:pPr>
             <a:r>
               <a:rPr lang="en-US" sz="1400" dirty="0">
                 <a:latin typeface="Times New Roman" panose="02020603050405020304" pitchFamily="18" charset="0"/>
@@ -4319,7 +4395,10 @@
             </a:r>
           </a:p>
           <a:p>
-            <a:pPr lvl="1"/>
+            <a:pPr lvl="1">
+              <a:buFont typeface="Wingdings" panose="05000000000000000000" pitchFamily="2" charset="2"/>
+              <a:buChar char="Ø"/>
+            </a:pPr>
             <a:r>
               <a:rPr lang="en-US" sz="1400" dirty="0">
                 <a:latin typeface="Times New Roman" panose="02020603050405020304" pitchFamily="18" charset="0"/>
@@ -4329,7 +4408,10 @@
             </a:r>
           </a:p>
           <a:p>
-            <a:pPr lvl="1"/>
+            <a:pPr lvl="1">
+              <a:buFont typeface="Wingdings" panose="05000000000000000000" pitchFamily="2" charset="2"/>
+              <a:buChar char="Ø"/>
+            </a:pPr>
             <a:r>
               <a:rPr lang="en-US" sz="1400" dirty="0">
                 <a:latin typeface="Times New Roman" panose="02020603050405020304" pitchFamily="18" charset="0"/>
@@ -4360,7 +4442,10 @@
             </a:r>
           </a:p>
           <a:p>
-            <a:pPr lvl="1"/>
+            <a:pPr lvl="1">
+              <a:buFont typeface="Wingdings" panose="05000000000000000000" pitchFamily="2" charset="2"/>
+              <a:buChar char="Ø"/>
+            </a:pPr>
             <a:r>
               <a:rPr lang="en-US" sz="1400" dirty="0">
                 <a:latin typeface="Times New Roman" panose="02020603050405020304" pitchFamily="18" charset="0"/>
@@ -4370,7 +4455,10 @@
             </a:r>
           </a:p>
           <a:p>
-            <a:pPr lvl="1"/>
+            <a:pPr lvl="1">
+              <a:buFont typeface="Wingdings" panose="05000000000000000000" pitchFamily="2" charset="2"/>
+              <a:buChar char="Ø"/>
+            </a:pPr>
             <a:r>
               <a:rPr lang="en-US" sz="1400" dirty="0">
                 <a:latin typeface="Times New Roman" panose="02020603050405020304" pitchFamily="18" charset="0"/>
@@ -4380,7 +4468,10 @@
             </a:r>
           </a:p>
           <a:p>
-            <a:pPr lvl="1"/>
+            <a:pPr lvl="1">
+              <a:buFont typeface="Wingdings" panose="05000000000000000000" pitchFamily="2" charset="2"/>
+              <a:buChar char="Ø"/>
+            </a:pPr>
             <a:r>
               <a:rPr lang="en-US" sz="1400" dirty="0">
                 <a:latin typeface="Times New Roman" panose="02020603050405020304" pitchFamily="18" charset="0"/>
@@ -4399,7 +4490,10 @@
             </a:r>
           </a:p>
           <a:p>
-            <a:pPr lvl="1"/>
+            <a:pPr lvl="1">
+              <a:buFont typeface="Wingdings" panose="05000000000000000000" pitchFamily="2" charset="2"/>
+              <a:buChar char="Ø"/>
+            </a:pPr>
             <a:r>
               <a:rPr lang="en-US" sz="1400" dirty="0">
                 <a:latin typeface="Times New Roman" panose="02020603050405020304" pitchFamily="18" charset="0"/>
@@ -4409,7 +4503,10 @@
             </a:r>
           </a:p>
           <a:p>
-            <a:pPr lvl="1"/>
+            <a:pPr lvl="1">
+              <a:buFont typeface="Wingdings" panose="05000000000000000000" pitchFamily="2" charset="2"/>
+              <a:buChar char="Ø"/>
+            </a:pPr>
             <a:r>
               <a:rPr lang="en-US" sz="1400" dirty="0">
                 <a:latin typeface="Times New Roman" panose="02020603050405020304" pitchFamily="18" charset="0"/>
@@ -4419,7 +4516,10 @@
             </a:r>
           </a:p>
           <a:p>
-            <a:pPr lvl="1"/>
+            <a:pPr lvl="1">
+              <a:buFont typeface="Wingdings" panose="05000000000000000000" pitchFamily="2" charset="2"/>
+              <a:buChar char="Ø"/>
+            </a:pPr>
             <a:r>
               <a:rPr lang="en-US" sz="1400" dirty="0">
                 <a:latin typeface="Times New Roman" panose="02020603050405020304" pitchFamily="18" charset="0"/>
@@ -4429,7 +4529,10 @@
             </a:r>
           </a:p>
           <a:p>
-            <a:pPr lvl="1"/>
+            <a:pPr lvl="1">
+              <a:buFont typeface="Wingdings" panose="05000000000000000000" pitchFamily="2" charset="2"/>
+              <a:buChar char="Ø"/>
+            </a:pPr>
             <a:r>
               <a:rPr lang="en-US" sz="1400" dirty="0">
                 <a:latin typeface="Times New Roman" panose="02020603050405020304" pitchFamily="18" charset="0"/>
@@ -4462,7 +4565,7 @@
         </p:blipFill>
         <p:spPr>
           <a:xfrm>
-            <a:off x="4175760" y="615474"/>
+            <a:off x="4674375" y="669686"/>
             <a:ext cx="6842760" cy="5518626"/>
           </a:xfrm>
           <a:prstGeom prst="rect">
@@ -4518,7 +4621,7 @@
         </p:nvSpPr>
         <p:spPr>
           <a:xfrm>
-            <a:off x="4630972" y="195372"/>
+            <a:off x="4646875" y="92005"/>
             <a:ext cx="2048123" cy="485665"/>
           </a:xfrm>
         </p:spPr>
@@ -5526,7 +5629,7 @@
           <a:lstStyle/>
           <a:p>
             <a:r>
-              <a:rPr lang="en-US" sz="2400" dirty="0">
+              <a:rPr lang="en-US" sz="2400" b="1" dirty="0">
                 <a:latin typeface="Times New Roman" panose="02020603050405020304" pitchFamily="18" charset="0"/>
                 <a:cs typeface="Times New Roman" panose="02020603050405020304" pitchFamily="18" charset="0"/>
               </a:rPr>
@@ -5589,8 +5692,8 @@
         </p:nvSpPr>
         <p:spPr>
           <a:xfrm>
-            <a:off x="4419601" y="314325"/>
-            <a:ext cx="3695700" cy="238125"/>
+            <a:off x="4248150" y="445273"/>
+            <a:ext cx="3695700" cy="274155"/>
           </a:xfrm>
         </p:spPr>
         <p:txBody>
@@ -5604,7 +5707,7 @@
                 <a:latin typeface="Times New Roman" panose="02020603050405020304" pitchFamily="18" charset="0"/>
                 <a:cs typeface="Times New Roman" panose="02020603050405020304" pitchFamily="18" charset="0"/>
               </a:rPr>
-              <a:t>Slide 2:  Executive Summary</a:t>
+              <a:t>Executive Summary</a:t>
             </a:r>
             <a:br>
               <a:rPr lang="en-US" sz="1600" b="1" dirty="0">
@@ -5643,8 +5746,8 @@
         </p:nvSpPr>
         <p:spPr>
           <a:xfrm>
-            <a:off x="838200" y="739775"/>
-            <a:ext cx="10515600" cy="4351338"/>
+            <a:off x="647369" y="887038"/>
+            <a:ext cx="10515600" cy="4710679"/>
           </a:xfrm>
         </p:spPr>
         <p:txBody>
@@ -5653,81 +5756,15 @@
           </a:bodyPr>
           <a:lstStyle/>
           <a:p>
+            <a:pPr marL="0" indent="0">
+              <a:buNone/>
+            </a:pPr>
             <a:r>
               <a:rPr lang="en-US" sz="1400" dirty="0">
                 <a:latin typeface="Times New Roman" panose="02020603050405020304" pitchFamily="18" charset="0"/>
                 <a:cs typeface="Times New Roman" panose="02020603050405020304" pitchFamily="18" charset="0"/>
               </a:rPr>
               <a:t>IFRS 9 compliance is mandatory for expected credit loss (ECL) reporting Manual/semi-automated processes are slow, error-prone, and difficult to audit</a:t>
-            </a:r>
-          </a:p>
-          <a:p>
-            <a:r>
-              <a:rPr lang="en-US" sz="1400" dirty="0">
-                <a:latin typeface="Times New Roman" panose="02020603050405020304" pitchFamily="18" charset="0"/>
-                <a:cs typeface="Times New Roman" panose="02020603050405020304" pitchFamily="18" charset="0"/>
-              </a:rPr>
-              <a:t>Our IFRS 9 Engine provides:</a:t>
-            </a:r>
-          </a:p>
-          <a:p>
-            <a:pPr marL="0" indent="0">
-              <a:buNone/>
-            </a:pPr>
-            <a:r>
-              <a:rPr lang="en-US" sz="1400" dirty="0">
-                <a:latin typeface="Times New Roman" panose="02020603050405020304" pitchFamily="18" charset="0"/>
-                <a:cs typeface="Times New Roman" panose="02020603050405020304" pitchFamily="18" charset="0"/>
-              </a:rPr>
-              <a:t>✓ Stage-aware PD &amp; ECL calculation</a:t>
-            </a:r>
-          </a:p>
-          <a:p>
-            <a:pPr marL="0" indent="0">
-              <a:buNone/>
-            </a:pPr>
-            <a:r>
-              <a:rPr lang="en-US" sz="1400" dirty="0">
-                <a:latin typeface="Times New Roman" panose="02020603050405020304" pitchFamily="18" charset="0"/>
-                <a:cs typeface="Times New Roman" panose="02020603050405020304" pitchFamily="18" charset="0"/>
-              </a:rPr>
-              <a:t>✓ Cashflow-based LGD modeling</a:t>
-            </a:r>
-          </a:p>
-          <a:p>
-            <a:pPr marL="0" indent="0">
-              <a:buNone/>
-            </a:pPr>
-            <a:r>
-              <a:rPr lang="en-US" sz="1400" dirty="0">
-                <a:latin typeface="Times New Roman" panose="02020603050405020304" pitchFamily="18" charset="0"/>
-                <a:cs typeface="Times New Roman" panose="02020603050405020304" pitchFamily="18" charset="0"/>
-              </a:rPr>
-              <a:t>✓ Stage 3 discounted recoveries</a:t>
-            </a:r>
-          </a:p>
-          <a:p>
-            <a:pPr marL="0" indent="0">
-              <a:buNone/>
-            </a:pPr>
-            <a:r>
-              <a:rPr lang="en-US" sz="1400" dirty="0">
-                <a:latin typeface="Times New Roman" panose="02020603050405020304" pitchFamily="18" charset="0"/>
-                <a:cs typeface="Times New Roman" panose="02020603050405020304" pitchFamily="18" charset="0"/>
-              </a:rPr>
-              <a:t>✓ Scenario-weighted outputs</a:t>
-            </a:r>
-          </a:p>
-          <a:p>
-            <a:pPr marL="0" indent="0">
-              <a:buNone/>
-            </a:pPr>
-            <a:r>
-              <a:rPr lang="en-US" sz="1400" dirty="0">
-                <a:latin typeface="Times New Roman" panose="02020603050405020304" pitchFamily="18" charset="0"/>
-                <a:cs typeface="Times New Roman" panose="02020603050405020304" pitchFamily="18" charset="0"/>
-              </a:rPr>
-              <a:t>✓ SQL &amp; Airflow integration</a:t>
             </a:r>
           </a:p>
           <a:p>
@@ -5740,8 +5777,92 @@
             </a:endParaRPr>
           </a:p>
           <a:p>
+            <a:pPr marL="0" indent="0">
+              <a:buNone/>
+            </a:pPr>
+            <a:r>
+              <a:rPr lang="en-US" sz="1400" b="1" u="sng" dirty="0">
+                <a:latin typeface="Times New Roman" panose="02020603050405020304" pitchFamily="18" charset="0"/>
+                <a:cs typeface="Times New Roman" panose="02020603050405020304" pitchFamily="18" charset="0"/>
+              </a:rPr>
+              <a:t>Our IFRS 9 Engine provides:</a:t>
+            </a:r>
+          </a:p>
+          <a:p>
+            <a:pPr marL="0" indent="0">
+              <a:buNone/>
+            </a:pPr>
             <a:r>
               <a:rPr lang="en-US" sz="1400" dirty="0">
+                <a:latin typeface="Times New Roman" panose="02020603050405020304" pitchFamily="18" charset="0"/>
+                <a:cs typeface="Times New Roman" panose="02020603050405020304" pitchFamily="18" charset="0"/>
+              </a:rPr>
+              <a:t>✓ Stage-aware PD &amp; ECL calculation</a:t>
+            </a:r>
+          </a:p>
+          <a:p>
+            <a:pPr marL="0" indent="0">
+              <a:buNone/>
+            </a:pPr>
+            <a:r>
+              <a:rPr lang="en-US" sz="1400" dirty="0">
+                <a:latin typeface="Times New Roman" panose="02020603050405020304" pitchFamily="18" charset="0"/>
+                <a:cs typeface="Times New Roman" panose="02020603050405020304" pitchFamily="18" charset="0"/>
+              </a:rPr>
+              <a:t>✓ Cashflow-based LGD modeling</a:t>
+            </a:r>
+          </a:p>
+          <a:p>
+            <a:pPr marL="0" indent="0">
+              <a:buNone/>
+            </a:pPr>
+            <a:r>
+              <a:rPr lang="en-US" sz="1400" dirty="0">
+                <a:latin typeface="Times New Roman" panose="02020603050405020304" pitchFamily="18" charset="0"/>
+                <a:cs typeface="Times New Roman" panose="02020603050405020304" pitchFamily="18" charset="0"/>
+              </a:rPr>
+              <a:t>✓ Stage 3 discounted recoveries</a:t>
+            </a:r>
+          </a:p>
+          <a:p>
+            <a:pPr marL="0" indent="0">
+              <a:buNone/>
+            </a:pPr>
+            <a:r>
+              <a:rPr lang="en-US" sz="1400" dirty="0">
+                <a:latin typeface="Times New Roman" panose="02020603050405020304" pitchFamily="18" charset="0"/>
+                <a:cs typeface="Times New Roman" panose="02020603050405020304" pitchFamily="18" charset="0"/>
+              </a:rPr>
+              <a:t>✓ Scenario-weighted outputs</a:t>
+            </a:r>
+          </a:p>
+          <a:p>
+            <a:pPr marL="0" indent="0">
+              <a:buNone/>
+            </a:pPr>
+            <a:r>
+              <a:rPr lang="en-US" sz="1400" dirty="0">
+                <a:latin typeface="Times New Roman" panose="02020603050405020304" pitchFamily="18" charset="0"/>
+                <a:cs typeface="Times New Roman" panose="02020603050405020304" pitchFamily="18" charset="0"/>
+              </a:rPr>
+              <a:t>✓ SQL &amp; Airflow integration</a:t>
+            </a:r>
+          </a:p>
+          <a:p>
+            <a:pPr marL="0" indent="0">
+              <a:buNone/>
+            </a:pPr>
+            <a:endParaRPr lang="en-US" sz="1400" dirty="0">
+              <a:latin typeface="Times New Roman" panose="02020603050405020304" pitchFamily="18" charset="0"/>
+              <a:cs typeface="Times New Roman" panose="02020603050405020304" pitchFamily="18" charset="0"/>
+            </a:endParaRPr>
+          </a:p>
+          <a:p>
+            <a:pPr marL="0" indent="0">
+              <a:buNone/>
+            </a:pPr>
+            <a:r>
+              <a:rPr lang="en-US" sz="1400" b="1" u="sng" dirty="0">
                 <a:latin typeface="Times New Roman" panose="02020603050405020304" pitchFamily="18" charset="0"/>
                 <a:cs typeface="Times New Roman" panose="02020603050405020304" pitchFamily="18" charset="0"/>
               </a:rPr>
@@ -5846,8 +5967,8 @@
         </p:nvSpPr>
         <p:spPr>
           <a:xfrm>
-            <a:off x="4267200" y="222251"/>
-            <a:ext cx="3476625" cy="315912"/>
+            <a:off x="4617059" y="277910"/>
+            <a:ext cx="2109746" cy="315912"/>
           </a:xfrm>
         </p:spPr>
         <p:txBody>
@@ -5861,7 +5982,7 @@
                 <a:latin typeface="Times New Roman" panose="02020603050405020304" pitchFamily="18" charset="0"/>
                 <a:cs typeface="Times New Roman" panose="02020603050405020304" pitchFamily="18" charset="0"/>
               </a:rPr>
-              <a:t>Slide 3: Problem Statement</a:t>
+              <a:t>Problem Statement</a:t>
             </a:r>
             <a:br>
               <a:rPr lang="en-US" sz="1600" b="1" dirty="0">
@@ -5869,7 +5990,7 @@
                 <a:cs typeface="Times New Roman" panose="02020603050405020304" pitchFamily="18" charset="0"/>
               </a:rPr>
             </a:br>
-            <a:endParaRPr lang="en-US" sz="1600" dirty="0">
+            <a:endParaRPr lang="en-US" sz="1600" b="1" dirty="0">
               <a:latin typeface="Times New Roman" panose="02020603050405020304" pitchFamily="18" charset="0"/>
               <a:cs typeface="Times New Roman" panose="02020603050405020304" pitchFamily="18" charset="0"/>
             </a:endParaRPr>
@@ -5894,8 +6015,8 @@
         </p:nvSpPr>
         <p:spPr>
           <a:xfrm>
-            <a:off x="747712" y="720725"/>
-            <a:ext cx="10515600" cy="4351338"/>
+            <a:off x="747712" y="800238"/>
+            <a:ext cx="10515600" cy="5131224"/>
           </a:xfrm>
         </p:spPr>
         <p:txBody>
@@ -5904,246 +6025,203 @@
           </a:bodyPr>
           <a:lstStyle/>
           <a:p>
+            <a:pPr marL="0" indent="0">
+              <a:buNone/>
+            </a:pPr>
+            <a:r>
+              <a:rPr lang="en-US" sz="1400" b="1" u="sng" dirty="0">
+                <a:latin typeface="Times New Roman" panose="02020603050405020304" pitchFamily="18" charset="0"/>
+                <a:cs typeface="Times New Roman" panose="02020603050405020304" pitchFamily="18" charset="0"/>
+              </a:rPr>
+              <a:t>Current Challenges in IFRS 9 Compliance:</a:t>
+            </a:r>
+          </a:p>
+          <a:p>
+            <a:pPr marL="0" indent="0">
+              <a:buNone/>
+            </a:pPr>
             <a:r>
               <a:rPr lang="en-US" sz="1400" b="1" dirty="0">
                 <a:latin typeface="Times New Roman" panose="02020603050405020304" pitchFamily="18" charset="0"/>
                 <a:cs typeface="Times New Roman" panose="02020603050405020304" pitchFamily="18" charset="0"/>
               </a:rPr>
-              <a:t>Current Challenges in IFRS 9 Compliance:</a:t>
-            </a:r>
-          </a:p>
-          <a:p>
+              <a:t>Operational Inefficiency:</a:t>
+            </a:r>
+          </a:p>
+          <a:p>
+            <a:pPr lvl="1">
+              <a:buFont typeface="Wingdings" panose="05000000000000000000" pitchFamily="2" charset="2"/>
+              <a:buChar char="Ø"/>
+            </a:pPr>
             <a:r>
               <a:rPr lang="en-US" sz="1400" b="1" dirty="0">
                 <a:latin typeface="Times New Roman" panose="02020603050405020304" pitchFamily="18" charset="0"/>
                 <a:cs typeface="Times New Roman" panose="02020603050405020304" pitchFamily="18" charset="0"/>
               </a:rPr>
-              <a:t>Operational Inefficiency:</a:t>
-            </a:r>
-          </a:p>
-          <a:p>
+              <a:t>Excel-based calculations</a:t>
+            </a:r>
             <a:r>
               <a:rPr lang="en-US" sz="1400" dirty="0">
                 <a:latin typeface="Times New Roman" panose="02020603050405020304" pitchFamily="18" charset="0"/>
                 <a:cs typeface="Times New Roman" panose="02020603050405020304" pitchFamily="18" charset="0"/>
               </a:rPr>
-              <a:t>• </a:t>
-            </a:r>
+              <a:t> – Manual errors, version control issues</a:t>
+            </a:r>
+          </a:p>
+          <a:p>
+            <a:pPr lvl="1">
+              <a:buFont typeface="Wingdings" panose="05000000000000000000" pitchFamily="2" charset="2"/>
+              <a:buChar char="Ø"/>
+            </a:pPr>
             <a:r>
               <a:rPr lang="en-US" sz="1400" b="1" dirty="0">
                 <a:latin typeface="Times New Roman" panose="02020603050405020304" pitchFamily="18" charset="0"/>
                 <a:cs typeface="Times New Roman" panose="02020603050405020304" pitchFamily="18" charset="0"/>
               </a:rPr>
-              <a:t>Excel-based calculations</a:t>
+              <a:t>Slow reporting cycles</a:t>
             </a:r>
             <a:r>
               <a:rPr lang="en-US" sz="1400" dirty="0">
                 <a:latin typeface="Times New Roman" panose="02020603050405020304" pitchFamily="18" charset="0"/>
                 <a:cs typeface="Times New Roman" panose="02020603050405020304" pitchFamily="18" charset="0"/>
               </a:rPr>
-              <a:t> – Manual errors, version control issues</a:t>
-            </a:r>
-            <a:br>
+              <a:t> – 5-10 day month-end close process</a:t>
+            </a:r>
+          </a:p>
+          <a:p>
+            <a:pPr lvl="1">
+              <a:buFont typeface="Wingdings" panose="05000000000000000000" pitchFamily="2" charset="2"/>
+              <a:buChar char="Ø"/>
+            </a:pPr>
+            <a:r>
+              <a:rPr lang="en-US" sz="1400" b="1" dirty="0">
+                <a:latin typeface="Times New Roman" panose="02020603050405020304" pitchFamily="18" charset="0"/>
+                <a:cs typeface="Times New Roman" panose="02020603050405020304" pitchFamily="18" charset="0"/>
+              </a:rPr>
+              <a:t>Limited scenario analysis</a:t>
+            </a:r>
+            <a:r>
               <a:rPr lang="en-US" sz="1400" dirty="0">
                 <a:latin typeface="Times New Roman" panose="02020603050405020304" pitchFamily="18" charset="0"/>
                 <a:cs typeface="Times New Roman" panose="02020603050405020304" pitchFamily="18" charset="0"/>
               </a:rPr>
-            </a:br>
+              <a:t> – Inadequate stress testing for regulators</a:t>
+            </a:r>
+          </a:p>
+          <a:p>
+            <a:pPr marL="0" indent="0">
+              <a:buNone/>
+            </a:pPr>
+            <a:r>
+              <a:rPr lang="en-US" sz="1400" b="1" dirty="0">
+                <a:latin typeface="Times New Roman" panose="02020603050405020304" pitchFamily="18" charset="0"/>
+                <a:cs typeface="Times New Roman" panose="02020603050405020304" pitchFamily="18" charset="0"/>
+              </a:rPr>
+              <a:t>Compliance Risk:</a:t>
+            </a:r>
+          </a:p>
+          <a:p>
+            <a:pPr lvl="1">
+              <a:buFont typeface="Wingdings" panose="05000000000000000000" pitchFamily="2" charset="2"/>
+              <a:buChar char="Ø"/>
+            </a:pPr>
+            <a:r>
+              <a:rPr lang="en-US" sz="1400" b="1" dirty="0">
+                <a:latin typeface="Times New Roman" panose="02020603050405020304" pitchFamily="18" charset="0"/>
+                <a:cs typeface="Times New Roman" panose="02020603050405020304" pitchFamily="18" charset="0"/>
+              </a:rPr>
+              <a:t>Opaque methodologies – Difficult audit defense, long review cycles</a:t>
+            </a:r>
+          </a:p>
+          <a:p>
+            <a:pPr lvl="1">
+              <a:buFont typeface="Wingdings" panose="05000000000000000000" pitchFamily="2" charset="2"/>
+              <a:buChar char="Ø"/>
+            </a:pPr>
+            <a:r>
+              <a:rPr lang="en-US" sz="1400" b="1" dirty="0">
+                <a:latin typeface="Times New Roman" panose="02020603050405020304" pitchFamily="18" charset="0"/>
+                <a:cs typeface="Times New Roman" panose="02020603050405020304" pitchFamily="18" charset="0"/>
+              </a:rPr>
+              <a:t>Model risk – Unvalidated assumptions, inconsistent calculations</a:t>
+            </a:r>
+          </a:p>
+          <a:p>
+            <a:pPr marL="0" indent="0">
+              <a:buNone/>
+            </a:pPr>
+            <a:r>
+              <a:rPr lang="en-US" sz="1400" b="1" dirty="0">
+                <a:latin typeface="Times New Roman" panose="02020603050405020304" pitchFamily="18" charset="0"/>
+                <a:cs typeface="Times New Roman" panose="02020603050405020304" pitchFamily="18" charset="0"/>
+              </a:rPr>
+              <a:t>Financial Impact:</a:t>
+            </a:r>
+          </a:p>
+          <a:p>
+            <a:pPr lvl="1">
+              <a:buFont typeface="Wingdings" panose="05000000000000000000" pitchFamily="2" charset="2"/>
+              <a:buChar char="Ø"/>
+            </a:pPr>
+            <a:r>
+              <a:rPr lang="en-US" sz="1400" b="1" dirty="0">
+                <a:latin typeface="Times New Roman" panose="02020603050405020304" pitchFamily="18" charset="0"/>
+                <a:cs typeface="Times New Roman" panose="02020603050405020304" pitchFamily="18" charset="0"/>
+              </a:rPr>
+              <a:t>High consultancy costs</a:t>
+            </a:r>
             <a:r>
               <a:rPr lang="en-US" sz="1400" dirty="0">
                 <a:latin typeface="Times New Roman" panose="02020603050405020304" pitchFamily="18" charset="0"/>
                 <a:cs typeface="Times New Roman" panose="02020603050405020304" pitchFamily="18" charset="0"/>
               </a:rPr>
-              <a:t>• </a:t>
-            </a:r>
+              <a:t> – $500K+ annually for external support</a:t>
+            </a:r>
+          </a:p>
+          <a:p>
+            <a:pPr lvl="1">
+              <a:buFont typeface="Wingdings" panose="05000000000000000000" pitchFamily="2" charset="2"/>
+              <a:buChar char="Ø"/>
+            </a:pPr>
             <a:r>
               <a:rPr lang="en-US" sz="1400" b="1" dirty="0">
                 <a:latin typeface="Times New Roman" panose="02020603050405020304" pitchFamily="18" charset="0"/>
                 <a:cs typeface="Times New Roman" panose="02020603050405020304" pitchFamily="18" charset="0"/>
               </a:rPr>
-              <a:t>Slow reporting cycles</a:t>
+              <a:t>Regulatory penalties</a:t>
             </a:r>
             <a:r>
               <a:rPr lang="en-US" sz="1400" dirty="0">
                 <a:latin typeface="Times New Roman" panose="02020603050405020304" pitchFamily="18" charset="0"/>
                 <a:cs typeface="Times New Roman" panose="02020603050405020304" pitchFamily="18" charset="0"/>
               </a:rPr>
-              <a:t> – 5-10 day month-end close process</a:t>
-            </a:r>
-            <a:br>
+              <a:t> – Potential fines for non-compliance</a:t>
+            </a:r>
+          </a:p>
+          <a:p>
+            <a:pPr lvl="1">
+              <a:buFont typeface="Wingdings" panose="05000000000000000000" pitchFamily="2" charset="2"/>
+              <a:buChar char="Ø"/>
+            </a:pPr>
+            <a:r>
+              <a:rPr lang="en-US" sz="1400" b="1" dirty="0">
+                <a:latin typeface="Times New Roman" panose="02020603050405020304" pitchFamily="18" charset="0"/>
+                <a:cs typeface="Times New Roman" panose="02020603050405020304" pitchFamily="18" charset="0"/>
+              </a:rPr>
+              <a:t>Missed insights</a:t>
+            </a:r>
+            <a:r>
               <a:rPr lang="en-US" sz="1400" dirty="0">
                 <a:latin typeface="Times New Roman" panose="02020603050405020304" pitchFamily="18" charset="0"/>
                 <a:cs typeface="Times New Roman" panose="02020603050405020304" pitchFamily="18" charset="0"/>
               </a:rPr>
-            </a:br>
-            <a:r>
-              <a:rPr lang="en-US" sz="1400" dirty="0">
-                <a:latin typeface="Times New Roman" panose="02020603050405020304" pitchFamily="18" charset="0"/>
-                <a:cs typeface="Times New Roman" panose="02020603050405020304" pitchFamily="18" charset="0"/>
-              </a:rPr>
-              <a:t>• </a:t>
-            </a:r>
-            <a:r>
-              <a:rPr lang="en-US" sz="1400" b="1" dirty="0">
-                <a:latin typeface="Times New Roman" panose="02020603050405020304" pitchFamily="18" charset="0"/>
-                <a:cs typeface="Times New Roman" panose="02020603050405020304" pitchFamily="18" charset="0"/>
-              </a:rPr>
-              <a:t>Limited scenario analysis</a:t>
-            </a:r>
-            <a:r>
-              <a:rPr lang="en-US" sz="1400" dirty="0">
-                <a:latin typeface="Times New Roman" panose="02020603050405020304" pitchFamily="18" charset="0"/>
-                <a:cs typeface="Times New Roman" panose="02020603050405020304" pitchFamily="18" charset="0"/>
-              </a:rPr>
-              <a:t> – Inadequate stress testing for regulators</a:t>
-            </a:r>
-          </a:p>
-          <a:p>
-            <a:r>
-              <a:rPr lang="en-US" sz="1400" b="1" dirty="0">
-                <a:latin typeface="Times New Roman" panose="02020603050405020304" pitchFamily="18" charset="0"/>
-                <a:cs typeface="Times New Roman" panose="02020603050405020304" pitchFamily="18" charset="0"/>
-              </a:rPr>
-              <a:t>Compliance Risk:</a:t>
-            </a:r>
-          </a:p>
-          <a:p>
-            <a:r>
-              <a:rPr lang="en-US" sz="1400" dirty="0">
-                <a:latin typeface="Times New Roman" panose="02020603050405020304" pitchFamily="18" charset="0"/>
-                <a:cs typeface="Times New Roman" panose="02020603050405020304" pitchFamily="18" charset="0"/>
-              </a:rPr>
-              <a:t>• </a:t>
-            </a:r>
-            <a:r>
-              <a:rPr lang="en-US" sz="1400" b="1" dirty="0">
-                <a:latin typeface="Times New Roman" panose="02020603050405020304" pitchFamily="18" charset="0"/>
-                <a:cs typeface="Times New Roman" panose="02020603050405020304" pitchFamily="18" charset="0"/>
-              </a:rPr>
-              <a:t>Opaque methodologies</a:t>
-            </a:r>
-            <a:r>
-              <a:rPr lang="en-US" sz="1400" dirty="0">
-                <a:latin typeface="Times New Roman" panose="02020603050405020304" pitchFamily="18" charset="0"/>
-                <a:cs typeface="Times New Roman" panose="02020603050405020304" pitchFamily="18" charset="0"/>
-              </a:rPr>
-              <a:t> – Difficult audit defense, long review cycles</a:t>
-            </a:r>
-            <a:br>
-              <a:rPr lang="en-US" sz="1400" dirty="0">
-                <a:latin typeface="Times New Roman" panose="02020603050405020304" pitchFamily="18" charset="0"/>
-                <a:cs typeface="Times New Roman" panose="02020603050405020304" pitchFamily="18" charset="0"/>
-              </a:rPr>
-            </a:br>
-            <a:r>
-              <a:rPr lang="en-US" sz="1400" dirty="0">
-                <a:latin typeface="Times New Roman" panose="02020603050405020304" pitchFamily="18" charset="0"/>
-                <a:cs typeface="Times New Roman" panose="02020603050405020304" pitchFamily="18" charset="0"/>
-              </a:rPr>
-              <a:t>• </a:t>
-            </a:r>
-            <a:r>
-              <a:rPr lang="en-US" sz="1400" b="1" dirty="0">
-                <a:latin typeface="Times New Roman" panose="02020603050405020304" pitchFamily="18" charset="0"/>
-                <a:cs typeface="Times New Roman" panose="02020603050405020304" pitchFamily="18" charset="0"/>
-              </a:rPr>
-              <a:t>Model risk</a:t>
-            </a:r>
-            <a:r>
-              <a:rPr lang="en-US" sz="1400" dirty="0">
-                <a:latin typeface="Times New Roman" panose="02020603050405020304" pitchFamily="18" charset="0"/>
-                <a:cs typeface="Times New Roman" panose="02020603050405020304" pitchFamily="18" charset="0"/>
-              </a:rPr>
-              <a:t> – Unvalidated assumptions, inconsistent calculations</a:t>
-            </a:r>
-          </a:p>
-          <a:p>
-            <a:r>
-              <a:rPr lang="en-US" sz="1400" b="1" dirty="0">
-                <a:latin typeface="Times New Roman" panose="02020603050405020304" pitchFamily="18" charset="0"/>
-                <a:cs typeface="Times New Roman" panose="02020603050405020304" pitchFamily="18" charset="0"/>
-              </a:rPr>
-              <a:t>Financial Impact:</a:t>
-            </a:r>
-          </a:p>
-          <a:p>
-            <a:r>
-              <a:rPr lang="en-US" sz="1400" dirty="0">
-                <a:latin typeface="Times New Roman" panose="02020603050405020304" pitchFamily="18" charset="0"/>
-                <a:cs typeface="Times New Roman" panose="02020603050405020304" pitchFamily="18" charset="0"/>
-              </a:rPr>
-              <a:t>• </a:t>
-            </a:r>
-            <a:r>
-              <a:rPr lang="en-US" sz="1400" b="1" dirty="0">
-                <a:latin typeface="Times New Roman" panose="02020603050405020304" pitchFamily="18" charset="0"/>
-                <a:cs typeface="Times New Roman" panose="02020603050405020304" pitchFamily="18" charset="0"/>
-              </a:rPr>
-              <a:t>High consultancy costs</a:t>
-            </a:r>
-            <a:r>
-              <a:rPr lang="en-US" sz="1400" dirty="0">
-                <a:latin typeface="Times New Roman" panose="02020603050405020304" pitchFamily="18" charset="0"/>
-                <a:cs typeface="Times New Roman" panose="02020603050405020304" pitchFamily="18" charset="0"/>
-              </a:rPr>
-              <a:t> – $500K+ annually for external support</a:t>
-            </a:r>
-            <a:br>
-              <a:rPr lang="en-US" sz="1400" dirty="0">
-                <a:latin typeface="Times New Roman" panose="02020603050405020304" pitchFamily="18" charset="0"/>
-                <a:cs typeface="Times New Roman" panose="02020603050405020304" pitchFamily="18" charset="0"/>
-              </a:rPr>
-            </a:br>
-            <a:r>
-              <a:rPr lang="en-US" sz="1400" dirty="0">
-                <a:latin typeface="Times New Roman" panose="02020603050405020304" pitchFamily="18" charset="0"/>
-                <a:cs typeface="Times New Roman" panose="02020603050405020304" pitchFamily="18" charset="0"/>
-              </a:rPr>
-              <a:t>• </a:t>
-            </a:r>
-            <a:r>
-              <a:rPr lang="en-US" sz="1400" b="1" dirty="0">
-                <a:latin typeface="Times New Roman" panose="02020603050405020304" pitchFamily="18" charset="0"/>
-                <a:cs typeface="Times New Roman" panose="02020603050405020304" pitchFamily="18" charset="0"/>
-              </a:rPr>
-              <a:t>Regulatory penalties</a:t>
-            </a:r>
-            <a:r>
-              <a:rPr lang="en-US" sz="1400" dirty="0">
-                <a:latin typeface="Times New Roman" panose="02020603050405020304" pitchFamily="18" charset="0"/>
-                <a:cs typeface="Times New Roman" panose="02020603050405020304" pitchFamily="18" charset="0"/>
-              </a:rPr>
-              <a:t> – Potential fines for non-compliance</a:t>
-            </a:r>
-            <a:br>
-              <a:rPr lang="en-US" sz="1400" dirty="0">
-                <a:latin typeface="Times New Roman" panose="02020603050405020304" pitchFamily="18" charset="0"/>
-                <a:cs typeface="Times New Roman" panose="02020603050405020304" pitchFamily="18" charset="0"/>
-              </a:rPr>
-            </a:br>
-            <a:r>
-              <a:rPr lang="en-US" sz="1400" dirty="0">
-                <a:latin typeface="Times New Roman" panose="02020603050405020304" pitchFamily="18" charset="0"/>
-                <a:cs typeface="Times New Roman" panose="02020603050405020304" pitchFamily="18" charset="0"/>
-              </a:rPr>
-              <a:t>• </a:t>
-            </a:r>
-            <a:r>
-              <a:rPr lang="en-US" sz="1400" b="1" dirty="0">
-                <a:latin typeface="Times New Roman" panose="02020603050405020304" pitchFamily="18" charset="0"/>
-                <a:cs typeface="Times New Roman" panose="02020603050405020304" pitchFamily="18" charset="0"/>
-              </a:rPr>
-              <a:t>Missed insights</a:t>
-            </a:r>
-            <a:r>
-              <a:rPr lang="en-US" sz="1400" dirty="0">
-                <a:latin typeface="Times New Roman" panose="02020603050405020304" pitchFamily="18" charset="0"/>
-                <a:cs typeface="Times New Roman" panose="02020603050405020304" pitchFamily="18" charset="0"/>
-              </a:rPr>
               <a:t> – Limited ability to optimize provisioning</a:t>
             </a:r>
           </a:p>
           <a:p>
+            <a:pPr marL="0" indent="0">
+              <a:buNone/>
+            </a:pPr>
             <a:r>
               <a:rPr lang="en-US" sz="1400" b="1" dirty="0">
                 <a:latin typeface="Times New Roman" panose="02020603050405020304" pitchFamily="18" charset="0"/>
@@ -6215,13 +6293,13 @@
         </p:nvSpPr>
         <p:spPr>
           <a:xfrm>
-            <a:off x="4781550" y="0"/>
-            <a:ext cx="1647825" cy="581025"/>
+            <a:off x="3565000" y="119062"/>
+            <a:ext cx="5555146" cy="581025"/>
           </a:xfrm>
         </p:spPr>
         <p:txBody>
           <a:bodyPr>
-            <a:normAutofit/>
+            <a:normAutofit fontScale="90000"/>
           </a:bodyPr>
           <a:lstStyle/>
           <a:p>
@@ -6230,8 +6308,18 @@
                 <a:latin typeface="Times New Roman" panose="02020603050405020304" pitchFamily="18" charset="0"/>
                 <a:cs typeface="Times New Roman" panose="02020603050405020304" pitchFamily="18" charset="0"/>
               </a:rPr>
-              <a:t>4. Our Solution</a:t>
-            </a:r>
+              <a:t>Our Solution IFRS 9 Engine – Complete Compliance Platform</a:t>
+            </a:r>
+            <a:br>
+              <a:rPr lang="en-US" sz="1600" b="1" dirty="0">
+                <a:latin typeface="Times New Roman" panose="02020603050405020304" pitchFamily="18" charset="0"/>
+                <a:cs typeface="Times New Roman" panose="02020603050405020304" pitchFamily="18" charset="0"/>
+              </a:rPr>
+            </a:br>
+            <a:endParaRPr lang="en-US" sz="1600" b="1" dirty="0">
+              <a:latin typeface="Times New Roman" panose="02020603050405020304" pitchFamily="18" charset="0"/>
+              <a:cs typeface="Times New Roman" panose="02020603050405020304" pitchFamily="18" charset="0"/>
+            </a:endParaRPr>
           </a:p>
         </p:txBody>
       </p:sp>
@@ -6253,264 +6341,276 @@
         </p:nvSpPr>
         <p:spPr>
           <a:xfrm>
-            <a:off x="952500" y="854075"/>
-            <a:ext cx="10515600" cy="5594350"/>
+            <a:off x="912743" y="766610"/>
+            <a:ext cx="10515600" cy="5499018"/>
           </a:xfrm>
         </p:spPr>
         <p:txBody>
           <a:bodyPr>
-            <a:normAutofit/>
+            <a:noAutofit/>
           </a:bodyPr>
           <a:lstStyle/>
           <a:p>
+            <a:pPr marL="0" indent="0">
+              <a:buNone/>
+            </a:pPr>
             <a:r>
               <a:rPr lang="en-US" sz="1400" b="1" dirty="0">
                 <a:latin typeface="Times New Roman" panose="02020603050405020304" pitchFamily="18" charset="0"/>
                 <a:cs typeface="Times New Roman" panose="02020603050405020304" pitchFamily="18" charset="0"/>
               </a:rPr>
-              <a:t>IFRS 9 Engine – Complete Compliance Platform</a:t>
-            </a:r>
-          </a:p>
-          <a:p>
+              <a:t>Core Capabilities:</a:t>
+            </a:r>
+          </a:p>
+          <a:p>
+            <a:pPr marL="342900" indent="-342900">
+              <a:buAutoNum type="arabicPeriod"/>
+            </a:pPr>
             <a:r>
               <a:rPr lang="en-US" sz="1400" b="1" dirty="0">
                 <a:latin typeface="Times New Roman" panose="02020603050405020304" pitchFamily="18" charset="0"/>
                 <a:cs typeface="Times New Roman" panose="02020603050405020304" pitchFamily="18" charset="0"/>
               </a:rPr>
-              <a:t>Core Capabilities:</a:t>
-            </a:r>
-          </a:p>
-          <a:p>
+              <a:t>Stage-Aware ECL Calculation</a:t>
+            </a:r>
+          </a:p>
+          <a:p>
+            <a:pPr lvl="1">
+              <a:buFont typeface="Wingdings" panose="05000000000000000000" pitchFamily="2" charset="2"/>
+              <a:buChar char="Ø"/>
+            </a:pPr>
+            <a:r>
+              <a:rPr lang="en-US" sz="1400" dirty="0">
+                <a:latin typeface="Times New Roman" panose="02020603050405020304" pitchFamily="18" charset="0"/>
+                <a:cs typeface="Times New Roman" panose="02020603050405020304" pitchFamily="18" charset="0"/>
+              </a:rPr>
+              <a:t>Automated SICR detection</a:t>
+            </a:r>
+          </a:p>
+          <a:p>
+            <a:pPr lvl="1">
+              <a:buFont typeface="Wingdings" panose="05000000000000000000" pitchFamily="2" charset="2"/>
+              <a:buChar char="Ø"/>
+            </a:pPr>
+            <a:r>
+              <a:rPr lang="en-US" sz="1400" dirty="0">
+                <a:latin typeface="Times New Roman" panose="02020603050405020304" pitchFamily="18" charset="0"/>
+                <a:cs typeface="Times New Roman" panose="02020603050405020304" pitchFamily="18" charset="0"/>
+              </a:rPr>
+              <a:t>Lifetime PD for Stage 2+3</a:t>
+            </a:r>
+          </a:p>
+          <a:p>
+            <a:pPr lvl="1">
+              <a:buFont typeface="Wingdings" panose="05000000000000000000" pitchFamily="2" charset="2"/>
+              <a:buChar char="Ø"/>
+            </a:pPr>
+            <a:r>
+              <a:rPr lang="en-US" sz="1400" dirty="0">
+                <a:latin typeface="Times New Roman" panose="02020603050405020304" pitchFamily="18" charset="0"/>
+                <a:cs typeface="Times New Roman" panose="02020603050405020304" pitchFamily="18" charset="0"/>
+              </a:rPr>
+              <a:t>Cashflow-based LGD modeling</a:t>
+            </a:r>
+          </a:p>
+          <a:p>
+            <a:pPr lvl="1">
+              <a:buFont typeface="Wingdings" panose="05000000000000000000" pitchFamily="2" charset="2"/>
+              <a:buChar char="Ø"/>
+            </a:pPr>
+            <a:r>
+              <a:rPr lang="en-US" sz="1400" dirty="0">
+                <a:latin typeface="Times New Roman" panose="02020603050405020304" pitchFamily="18" charset="0"/>
+                <a:cs typeface="Times New Roman" panose="02020603050405020304" pitchFamily="18" charset="0"/>
+              </a:rPr>
+              <a:t>Discounted Stage 3 recoveries</a:t>
+            </a:r>
+          </a:p>
+          <a:p>
+            <a:pPr marL="0" indent="0">
+              <a:buNone/>
+            </a:pPr>
             <a:r>
               <a:rPr lang="en-US" sz="1400" b="1" dirty="0">
                 <a:latin typeface="Times New Roman" panose="02020603050405020304" pitchFamily="18" charset="0"/>
                 <a:cs typeface="Times New Roman" panose="02020603050405020304" pitchFamily="18" charset="0"/>
               </a:rPr>
-              <a:t>1. Stage-Aware ECL Calculation</a:t>
-            </a:r>
-            <a:br>
-              <a:rPr lang="en-US" sz="1400" dirty="0">
-                <a:latin typeface="Times New Roman" panose="02020603050405020304" pitchFamily="18" charset="0"/>
-                <a:cs typeface="Times New Roman" panose="02020603050405020304" pitchFamily="18" charset="0"/>
-              </a:rPr>
-            </a:br>
-            <a:r>
-              <a:rPr lang="en-US" sz="1400" dirty="0">
-                <a:latin typeface="Times New Roman" panose="02020603050405020304" pitchFamily="18" charset="0"/>
-                <a:cs typeface="Times New Roman" panose="02020603050405020304" pitchFamily="18" charset="0"/>
-              </a:rPr>
-              <a:t>• Automated SICR detection</a:t>
-            </a:r>
-            <a:br>
-              <a:rPr lang="en-US" sz="1400" dirty="0">
-                <a:latin typeface="Times New Roman" panose="02020603050405020304" pitchFamily="18" charset="0"/>
-                <a:cs typeface="Times New Roman" panose="02020603050405020304" pitchFamily="18" charset="0"/>
-              </a:rPr>
-            </a:br>
-            <a:r>
-              <a:rPr lang="en-US" sz="1400" dirty="0">
-                <a:latin typeface="Times New Roman" panose="02020603050405020304" pitchFamily="18" charset="0"/>
-                <a:cs typeface="Times New Roman" panose="02020603050405020304" pitchFamily="18" charset="0"/>
-              </a:rPr>
-              <a:t>• Lifetime PD for Stage 2+3</a:t>
-            </a:r>
-            <a:br>
-              <a:rPr lang="en-US" sz="1400" dirty="0">
-                <a:latin typeface="Times New Roman" panose="02020603050405020304" pitchFamily="18" charset="0"/>
-                <a:cs typeface="Times New Roman" panose="02020603050405020304" pitchFamily="18" charset="0"/>
-              </a:rPr>
-            </a:br>
-            <a:r>
-              <a:rPr lang="en-US" sz="1400" dirty="0">
-                <a:latin typeface="Times New Roman" panose="02020603050405020304" pitchFamily="18" charset="0"/>
-                <a:cs typeface="Times New Roman" panose="02020603050405020304" pitchFamily="18" charset="0"/>
-              </a:rPr>
-              <a:t>• Cashflow-based LGD modeling</a:t>
-            </a:r>
-            <a:br>
-              <a:rPr lang="en-US" sz="1400" dirty="0">
-                <a:latin typeface="Times New Roman" panose="02020603050405020304" pitchFamily="18" charset="0"/>
-                <a:cs typeface="Times New Roman" panose="02020603050405020304" pitchFamily="18" charset="0"/>
-              </a:rPr>
-            </a:br>
-            <a:r>
-              <a:rPr lang="en-US" sz="1400" dirty="0">
-                <a:latin typeface="Times New Roman" panose="02020603050405020304" pitchFamily="18" charset="0"/>
-                <a:cs typeface="Times New Roman" panose="02020603050405020304" pitchFamily="18" charset="0"/>
-              </a:rPr>
-              <a:t>• Discounted Stage 3 recoveries</a:t>
-            </a:r>
-          </a:p>
-          <a:p>
-            <a:r>
-              <a:rPr lang="en-US" sz="1400" b="1" dirty="0">
-                <a:latin typeface="Times New Roman" panose="02020603050405020304" pitchFamily="18" charset="0"/>
-                <a:cs typeface="Times New Roman" panose="02020603050405020304" pitchFamily="18" charset="0"/>
-              </a:rPr>
               <a:t>2. Scenario Management</a:t>
             </a:r>
-            <a:br>
-              <a:rPr lang="en-US" sz="1400" dirty="0">
-                <a:latin typeface="Times New Roman" panose="02020603050405020304" pitchFamily="18" charset="0"/>
-                <a:cs typeface="Times New Roman" panose="02020603050405020304" pitchFamily="18" charset="0"/>
-              </a:rPr>
-            </a:br>
-            <a:r>
-              <a:rPr lang="en-US" sz="1400" dirty="0">
-                <a:latin typeface="Times New Roman" panose="02020603050405020304" pitchFamily="18" charset="0"/>
-                <a:cs typeface="Times New Roman" panose="02020603050405020304" pitchFamily="18" charset="0"/>
-              </a:rPr>
-              <a:t>• Base, upside, downside scenarios</a:t>
-            </a:r>
-            <a:br>
-              <a:rPr lang="en-US" sz="1400" dirty="0">
-                <a:latin typeface="Times New Roman" panose="02020603050405020304" pitchFamily="18" charset="0"/>
-                <a:cs typeface="Times New Roman" panose="02020603050405020304" pitchFamily="18" charset="0"/>
-              </a:rPr>
-            </a:br>
-            <a:r>
-              <a:rPr lang="en-US" sz="1400" dirty="0">
-                <a:latin typeface="Times New Roman" panose="02020603050405020304" pitchFamily="18" charset="0"/>
-                <a:cs typeface="Times New Roman" panose="02020603050405020304" pitchFamily="18" charset="0"/>
-              </a:rPr>
-              <a:t>• Regulatory-prescribed weighting</a:t>
-            </a:r>
-            <a:br>
-              <a:rPr lang="en-US" sz="1400" dirty="0">
-                <a:latin typeface="Times New Roman" panose="02020603050405020304" pitchFamily="18" charset="0"/>
-                <a:cs typeface="Times New Roman" panose="02020603050405020304" pitchFamily="18" charset="0"/>
-              </a:rPr>
-            </a:br>
-            <a:r>
-              <a:rPr lang="en-US" sz="1400" dirty="0">
-                <a:latin typeface="Times New Roman" panose="02020603050405020304" pitchFamily="18" charset="0"/>
-                <a:cs typeface="Times New Roman" panose="02020603050405020304" pitchFamily="18" charset="0"/>
-              </a:rPr>
-              <a:t>• Custom scenario creation</a:t>
-            </a:r>
-            <a:br>
-              <a:rPr lang="en-US" sz="1400" dirty="0">
-                <a:latin typeface="Times New Roman" panose="02020603050405020304" pitchFamily="18" charset="0"/>
-                <a:cs typeface="Times New Roman" panose="02020603050405020304" pitchFamily="18" charset="0"/>
-              </a:rPr>
-            </a:br>
-            <a:r>
-              <a:rPr lang="en-US" sz="1400" dirty="0">
-                <a:latin typeface="Times New Roman" panose="02020603050405020304" pitchFamily="18" charset="0"/>
-                <a:cs typeface="Times New Roman" panose="02020603050405020304" pitchFamily="18" charset="0"/>
-              </a:rPr>
-              <a:t>• Sensitivity analysis</a:t>
-            </a:r>
-          </a:p>
-          <a:p>
-            <a:r>
-              <a:rPr lang="en-US" sz="1400" b="1" dirty="0">
-                <a:latin typeface="Times New Roman" panose="02020603050405020304" pitchFamily="18" charset="0"/>
-                <a:cs typeface="Times New Roman" panose="02020603050405020304" pitchFamily="18" charset="0"/>
-              </a:rPr>
-              <a:t>3. Automation &amp; Integration</a:t>
-            </a:r>
-            <a:br>
-              <a:rPr lang="en-US" sz="1400" dirty="0">
-                <a:latin typeface="Times New Roman" panose="02020603050405020304" pitchFamily="18" charset="0"/>
-                <a:cs typeface="Times New Roman" panose="02020603050405020304" pitchFamily="18" charset="0"/>
-              </a:rPr>
-            </a:br>
-            <a:r>
-              <a:rPr lang="en-US" sz="1400" dirty="0">
-                <a:latin typeface="Times New Roman" panose="02020603050405020304" pitchFamily="18" charset="0"/>
-                <a:cs typeface="Times New Roman" panose="02020603050405020304" pitchFamily="18" charset="0"/>
-              </a:rPr>
-              <a:t>• SQL native connectivity</a:t>
-            </a:r>
-            <a:br>
-              <a:rPr lang="en-US" sz="1400" dirty="0">
-                <a:latin typeface="Times New Roman" panose="02020603050405020304" pitchFamily="18" charset="0"/>
-                <a:cs typeface="Times New Roman" panose="02020603050405020304" pitchFamily="18" charset="0"/>
-              </a:rPr>
-            </a:br>
-            <a:r>
-              <a:rPr lang="en-US" sz="1400" dirty="0">
-                <a:latin typeface="Times New Roman" panose="02020603050405020304" pitchFamily="18" charset="0"/>
-                <a:cs typeface="Times New Roman" panose="02020603050405020304" pitchFamily="18" charset="0"/>
-              </a:rPr>
-              <a:t>• Airflow orchestration</a:t>
-            </a:r>
-            <a:br>
-              <a:rPr lang="en-US" sz="1400" dirty="0">
-                <a:latin typeface="Times New Roman" panose="02020603050405020304" pitchFamily="18" charset="0"/>
-                <a:cs typeface="Times New Roman" panose="02020603050405020304" pitchFamily="18" charset="0"/>
-              </a:rPr>
-            </a:br>
-            <a:r>
-              <a:rPr lang="en-US" sz="1400" dirty="0">
-                <a:latin typeface="Times New Roman" panose="02020603050405020304" pitchFamily="18" charset="0"/>
-                <a:cs typeface="Times New Roman" panose="02020603050405020304" pitchFamily="18" charset="0"/>
-              </a:rPr>
-              <a:t>• Docker containerization</a:t>
-            </a:r>
-            <a:br>
-              <a:rPr lang="en-US" sz="1400" dirty="0">
-                <a:latin typeface="Times New Roman" panose="02020603050405020304" pitchFamily="18" charset="0"/>
-                <a:cs typeface="Times New Roman" panose="02020603050405020304" pitchFamily="18" charset="0"/>
-              </a:rPr>
-            </a:br>
-            <a:r>
-              <a:rPr lang="en-US" sz="1400" dirty="0">
-                <a:latin typeface="Times New Roman" panose="02020603050405020304" pitchFamily="18" charset="0"/>
-                <a:cs typeface="Times New Roman" panose="02020603050405020304" pitchFamily="18" charset="0"/>
-              </a:rPr>
-              <a:t>• Audit trail generation</a:t>
-            </a:r>
-          </a:p>
-          <a:p>
             <a:endParaRPr lang="en-US" sz="1400" dirty="0">
               <a:latin typeface="Times New Roman" panose="02020603050405020304" pitchFamily="18" charset="0"/>
               <a:cs typeface="Times New Roman" panose="02020603050405020304" pitchFamily="18" charset="0"/>
             </a:endParaRPr>
           </a:p>
           <a:p>
+            <a:pPr lvl="1">
+              <a:buFont typeface="Wingdings" panose="05000000000000000000" pitchFamily="2" charset="2"/>
+              <a:buChar char="Ø"/>
+            </a:pPr>
+            <a:r>
+              <a:rPr lang="en-US" sz="1400" dirty="0">
+                <a:latin typeface="Times New Roman" panose="02020603050405020304" pitchFamily="18" charset="0"/>
+                <a:cs typeface="Times New Roman" panose="02020603050405020304" pitchFamily="18" charset="0"/>
+              </a:rPr>
+              <a:t>Base, upside, downside scenarios</a:t>
+            </a:r>
+          </a:p>
+          <a:p>
+            <a:pPr lvl="1">
+              <a:buFont typeface="Wingdings" panose="05000000000000000000" pitchFamily="2" charset="2"/>
+              <a:buChar char="Ø"/>
+            </a:pPr>
+            <a:r>
+              <a:rPr lang="en-US" sz="1400" dirty="0">
+                <a:latin typeface="Times New Roman" panose="02020603050405020304" pitchFamily="18" charset="0"/>
+                <a:cs typeface="Times New Roman" panose="02020603050405020304" pitchFamily="18" charset="0"/>
+              </a:rPr>
+              <a:t>Regulatory-prescribed weighting</a:t>
+            </a:r>
+          </a:p>
+          <a:p>
+            <a:pPr lvl="1">
+              <a:buFont typeface="Wingdings" panose="05000000000000000000" pitchFamily="2" charset="2"/>
+              <a:buChar char="Ø"/>
+            </a:pPr>
+            <a:r>
+              <a:rPr lang="en-US" sz="1400" dirty="0">
+                <a:latin typeface="Times New Roman" panose="02020603050405020304" pitchFamily="18" charset="0"/>
+                <a:cs typeface="Times New Roman" panose="02020603050405020304" pitchFamily="18" charset="0"/>
+              </a:rPr>
+              <a:t>Custom scenario creation</a:t>
+            </a:r>
+          </a:p>
+          <a:p>
+            <a:pPr lvl="1">
+              <a:buFont typeface="Wingdings" panose="05000000000000000000" pitchFamily="2" charset="2"/>
+              <a:buChar char="Ø"/>
+            </a:pPr>
+            <a:r>
+              <a:rPr lang="en-US" sz="1400" dirty="0">
+                <a:latin typeface="Times New Roman" panose="02020603050405020304" pitchFamily="18" charset="0"/>
+                <a:cs typeface="Times New Roman" panose="02020603050405020304" pitchFamily="18" charset="0"/>
+              </a:rPr>
+              <a:t>Sensitivity analysis</a:t>
+            </a:r>
+          </a:p>
+          <a:p>
+            <a:pPr marL="0" indent="0">
+              <a:buNone/>
+            </a:pPr>
             <a:r>
               <a:rPr lang="en-US" sz="1400" b="1" dirty="0">
                 <a:latin typeface="Times New Roman" panose="02020603050405020304" pitchFamily="18" charset="0"/>
                 <a:cs typeface="Times New Roman" panose="02020603050405020304" pitchFamily="18" charset="0"/>
               </a:rPr>
-              <a:t>Deployment Options:</a:t>
-            </a:r>
-          </a:p>
-          <a:p>
+              <a:t>3. Automation &amp; Integration</a:t>
+            </a:r>
+            <a:endParaRPr lang="en-US" sz="1400" dirty="0">
+              <a:latin typeface="Times New Roman" panose="02020603050405020304" pitchFamily="18" charset="0"/>
+              <a:cs typeface="Times New Roman" panose="02020603050405020304" pitchFamily="18" charset="0"/>
+            </a:endParaRPr>
+          </a:p>
+          <a:p>
+            <a:pPr lvl="1">
+              <a:buFont typeface="Wingdings" panose="05000000000000000000" pitchFamily="2" charset="2"/>
+              <a:buChar char="Ø"/>
+            </a:pPr>
             <a:r>
               <a:rPr lang="en-US" sz="1400" dirty="0">
                 <a:latin typeface="Times New Roman" panose="02020603050405020304" pitchFamily="18" charset="0"/>
                 <a:cs typeface="Times New Roman" panose="02020603050405020304" pitchFamily="18" charset="0"/>
               </a:rPr>
-              <a:t>• On-premise or cloud</a:t>
-            </a:r>
-            <a:br>
+              <a:t>SQL native connectivity</a:t>
+            </a:r>
+          </a:p>
+          <a:p>
+            <a:pPr lvl="1">
+              <a:buFont typeface="Wingdings" panose="05000000000000000000" pitchFamily="2" charset="2"/>
+              <a:buChar char="Ø"/>
+            </a:pPr>
+            <a:r>
               <a:rPr lang="en-US" sz="1400" dirty="0">
                 <a:latin typeface="Times New Roman" panose="02020603050405020304" pitchFamily="18" charset="0"/>
                 <a:cs typeface="Times New Roman" panose="02020603050405020304" pitchFamily="18" charset="0"/>
               </a:rPr>
-            </a:br>
+              <a:t>Airflow orchestration</a:t>
+            </a:r>
+          </a:p>
+          <a:p>
+            <a:pPr lvl="1">
+              <a:buFont typeface="Wingdings" panose="05000000000000000000" pitchFamily="2" charset="2"/>
+              <a:buChar char="Ø"/>
+            </a:pPr>
             <a:r>
               <a:rPr lang="en-US" sz="1400" dirty="0">
                 <a:latin typeface="Times New Roman" panose="02020603050405020304" pitchFamily="18" charset="0"/>
                 <a:cs typeface="Times New Roman" panose="02020603050405020304" pitchFamily="18" charset="0"/>
               </a:rPr>
-              <a:t>• 4-week implementation</a:t>
-            </a:r>
-            <a:br>
+              <a:t>Docker containerization</a:t>
+            </a:r>
+          </a:p>
+          <a:p>
+            <a:pPr lvl="1">
+              <a:buFont typeface="Wingdings" panose="05000000000000000000" pitchFamily="2" charset="2"/>
+              <a:buChar char="Ø"/>
+            </a:pPr>
+            <a:r>
               <a:rPr lang="en-US" sz="1400" dirty="0">
                 <a:latin typeface="Times New Roman" panose="02020603050405020304" pitchFamily="18" charset="0"/>
                 <a:cs typeface="Times New Roman" panose="02020603050405020304" pitchFamily="18" charset="0"/>
               </a:rPr>
-            </a:br>
+              <a:t>Audit trail generation</a:t>
+            </a:r>
+          </a:p>
+          <a:p>
+            <a:pPr marL="0" indent="0">
+              <a:buNone/>
+            </a:pPr>
+            <a:r>
+              <a:rPr lang="en-US" sz="1400" b="1" dirty="0">
+                <a:latin typeface="Times New Roman" panose="02020603050405020304" pitchFamily="18" charset="0"/>
+                <a:cs typeface="Times New Roman" panose="02020603050405020304" pitchFamily="18" charset="0"/>
+              </a:rPr>
+              <a:t>4. Deployment Options:</a:t>
+            </a:r>
+          </a:p>
+          <a:p>
+            <a:pPr lvl="1">
+              <a:buFont typeface="Wingdings" panose="05000000000000000000" pitchFamily="2" charset="2"/>
+              <a:buChar char="Ø"/>
+            </a:pPr>
             <a:r>
               <a:rPr lang="en-US" sz="1400" dirty="0">
                 <a:latin typeface="Times New Roman" panose="02020603050405020304" pitchFamily="18" charset="0"/>
                 <a:cs typeface="Times New Roman" panose="02020603050405020304" pitchFamily="18" charset="0"/>
               </a:rPr>
-              <a:t>• Pilot-to-production methodology</a:t>
+              <a:t>On-premise or cloud</a:t>
+            </a:r>
+          </a:p>
+          <a:p>
+            <a:pPr lvl="1">
+              <a:buFont typeface="Wingdings" panose="05000000000000000000" pitchFamily="2" charset="2"/>
+              <a:buChar char="Ø"/>
+            </a:pPr>
+            <a:r>
+              <a:rPr lang="en-US" sz="1400" dirty="0">
+                <a:latin typeface="Times New Roman" panose="02020603050405020304" pitchFamily="18" charset="0"/>
+                <a:cs typeface="Times New Roman" panose="02020603050405020304" pitchFamily="18" charset="0"/>
+              </a:rPr>
+              <a:t>4-week implementation</a:t>
+            </a:r>
+          </a:p>
+          <a:p>
+            <a:pPr lvl="1">
+              <a:buFont typeface="Wingdings" panose="05000000000000000000" pitchFamily="2" charset="2"/>
+              <a:buChar char="Ø"/>
+            </a:pPr>
+            <a:r>
+              <a:rPr lang="en-US" sz="1400" dirty="0">
+                <a:latin typeface="Times New Roman" panose="02020603050405020304" pitchFamily="18" charset="0"/>
+                <a:cs typeface="Times New Roman" panose="02020603050405020304" pitchFamily="18" charset="0"/>
+              </a:rPr>
+              <a:t>Pilot-to-production methodology</a:t>
             </a:r>
           </a:p>
           <a:p>
@@ -6623,7 +6723,7 @@
         </p:nvSpPr>
         <p:spPr>
           <a:xfrm>
-            <a:off x="632460" y="697864"/>
+            <a:off x="628071" y="487680"/>
             <a:ext cx="10459610" cy="5647277"/>
           </a:xfrm>
         </p:spPr>
@@ -6637,7 +6737,7 @@
               <a:buNone/>
             </a:pPr>
             <a:r>
-              <a:rPr lang="en-US" sz="1400" b="1">
+              <a:rPr lang="en-US" sz="1400" b="1" dirty="0">
                 <a:latin typeface="Times New Roman" panose="02020603050405020304" pitchFamily="18" charset="0"/>
                 <a:cs typeface="Times New Roman" panose="02020603050405020304" pitchFamily="18" charset="0"/>
               </a:rPr>
@@ -6648,7 +6748,7 @@
             <a:pPr marL="0" indent="0">
               <a:buNone/>
             </a:pPr>
-            <a:endParaRPr lang="en-US" sz="1400" b="1">
+            <a:endParaRPr lang="en-US" sz="1400" b="1" dirty="0">
               <a:latin typeface="Times New Roman" panose="02020603050405020304" pitchFamily="18" charset="0"/>
               <a:cs typeface="Times New Roman" panose="02020603050405020304" pitchFamily="18" charset="0"/>
             </a:endParaRPr>
@@ -6657,7 +6757,7 @@
             <a:pPr marL="0" indent="0">
               <a:buNone/>
             </a:pPr>
-            <a:endParaRPr lang="en-US" sz="1400" b="1">
+            <a:endParaRPr lang="en-US" sz="1400" b="1" dirty="0">
               <a:latin typeface="Times New Roman" panose="02020603050405020304" pitchFamily="18" charset="0"/>
               <a:cs typeface="Times New Roman" panose="02020603050405020304" pitchFamily="18" charset="0"/>
             </a:endParaRPr>
@@ -6740,7 +6840,7 @@
         </p:blipFill>
         <p:spPr>
           <a:xfrm>
-            <a:off x="777964" y="1018088"/>
+            <a:off x="2551105" y="876935"/>
             <a:ext cx="5079912" cy="5836665"/>
           </a:xfrm>
           <a:prstGeom prst="rect">
@@ -6817,7 +6917,7 @@
                 <a:latin typeface="Times New Roman" panose="02020603050405020304" pitchFamily="18" charset="0"/>
                 <a:cs typeface="Times New Roman" panose="02020603050405020304" pitchFamily="18" charset="0"/>
               </a:rPr>
-              <a:t>6: Stage Allocation Logic</a:t>
+              <a:t>Stage Allocation Logic</a:t>
             </a:r>
             <a:endParaRPr lang="en-US" sz="1600" dirty="0">
               <a:latin typeface="Times New Roman" panose="02020603050405020304" pitchFamily="18" charset="0"/>
@@ -7698,7 +7798,7 @@
                 <a:latin typeface="Times New Roman" panose="02020603050405020304" pitchFamily="18" charset="0"/>
                 <a:cs typeface="Times New Roman" panose="02020603050405020304" pitchFamily="18" charset="0"/>
               </a:rPr>
-              <a:t>7: Lifetime PD Modeling</a:t>
+              <a:t>Lifetime PD Modeling</a:t>
             </a:r>
             <a:endParaRPr lang="en-US" sz="1600" dirty="0">
               <a:latin typeface="Times New Roman" panose="02020603050405020304" pitchFamily="18" charset="0"/>
@@ -8346,7 +8446,7 @@
         </p:nvSpPr>
         <p:spPr>
           <a:xfrm>
-            <a:off x="4373880" y="98425"/>
+            <a:off x="4429539" y="234540"/>
             <a:ext cx="2636520" cy="389255"/>
           </a:xfrm>
         </p:spPr>
@@ -8361,7 +8461,7 @@
                 <a:latin typeface="Times New Roman" panose="02020603050405020304" pitchFamily="18" charset="0"/>
                 <a:cs typeface="Times New Roman" panose="02020603050405020304" pitchFamily="18" charset="0"/>
               </a:rPr>
-              <a:t>8: Cashflow-Based LGD</a:t>
+              <a:t>Cashflow-Based LGD</a:t>
             </a:r>
             <a:br>
               <a:rPr lang="en-US" sz="1600" b="1" dirty="0">
@@ -9475,7 +9575,7 @@
         </p:nvSpPr>
         <p:spPr>
           <a:xfrm>
-            <a:off x="4373880" y="98425"/>
+            <a:off x="4373880" y="177164"/>
             <a:ext cx="3276600" cy="389255"/>
           </a:xfrm>
         </p:spPr>
@@ -9490,7 +9590,7 @@
                 <a:latin typeface="Times New Roman" panose="02020603050405020304" pitchFamily="18" charset="0"/>
                 <a:cs typeface="Times New Roman" panose="02020603050405020304" pitchFamily="18" charset="0"/>
               </a:rPr>
-              <a:t>9: Scenario Weighting &amp; ECL</a:t>
+              <a:t>Scenario Weighting &amp; ECL</a:t>
             </a:r>
             <a:br>
               <a:rPr lang="en-US" sz="1600" b="1" dirty="0">
@@ -9523,16 +9623,19 @@
         </p:nvSpPr>
         <p:spPr>
           <a:xfrm>
-            <a:off x="647700" y="371792"/>
-            <a:ext cx="10515600" cy="6387783"/>
+            <a:off x="655652" y="468297"/>
+            <a:ext cx="8854109" cy="6387783"/>
           </a:xfrm>
         </p:spPr>
         <p:txBody>
           <a:bodyPr>
-            <a:normAutofit fontScale="92500" lnSpcReduction="10000"/>
+            <a:noAutofit/>
           </a:bodyPr>
           <a:lstStyle/>
           <a:p>
+            <a:pPr marL="0" indent="0">
+              <a:buNone/>
+            </a:pPr>
             <a:r>
               <a:rPr lang="en-US" sz="1400" b="1" dirty="0">
                 <a:latin typeface="Times New Roman" panose="02020603050405020304" pitchFamily="18" charset="0"/>
@@ -9551,44 +9654,42 @@
             </a:r>
           </a:p>
           <a:p>
-            <a:br>
+            <a:pPr lvl="1">
+              <a:buFont typeface="Wingdings" panose="05000000000000000000" pitchFamily="2" charset="2"/>
+              <a:buChar char="Ø"/>
+            </a:pPr>
+            <a:r>
               <a:rPr lang="en-US" sz="1400" dirty="0">
                 <a:latin typeface="Times New Roman" panose="02020603050405020304" pitchFamily="18" charset="0"/>
                 <a:cs typeface="Times New Roman" panose="02020603050405020304" pitchFamily="18" charset="0"/>
               </a:rPr>
-            </a:br>
+              <a:t>Multiple forward-looking scenarios</a:t>
+            </a:r>
+          </a:p>
+          <a:p>
+            <a:pPr lvl="1">
+              <a:buFont typeface="Wingdings" panose="05000000000000000000" pitchFamily="2" charset="2"/>
+              <a:buChar char="Ø"/>
+            </a:pPr>
             <a:r>
               <a:rPr lang="en-US" sz="1400" dirty="0">
                 <a:latin typeface="Times New Roman" panose="02020603050405020304" pitchFamily="18" charset="0"/>
                 <a:cs typeface="Times New Roman" panose="02020603050405020304" pitchFamily="18" charset="0"/>
               </a:rPr>
-              <a:t>• Multiple forward-looking scenarios</a:t>
-            </a:r>
-            <a:br>
+              <a:t>Probability-weighted outcomes</a:t>
+            </a:r>
+          </a:p>
+          <a:p>
+            <a:pPr lvl="1">
+              <a:buFont typeface="Wingdings" panose="05000000000000000000" pitchFamily="2" charset="2"/>
+              <a:buChar char="Ø"/>
+            </a:pPr>
+            <a:r>
               <a:rPr lang="en-US" sz="1400" dirty="0">
                 <a:latin typeface="Times New Roman" panose="02020603050405020304" pitchFamily="18" charset="0"/>
                 <a:cs typeface="Times New Roman" panose="02020603050405020304" pitchFamily="18" charset="0"/>
               </a:rPr>
-            </a:br>
-            <a:r>
-              <a:rPr lang="en-US" sz="1400" dirty="0">
-                <a:latin typeface="Times New Roman" panose="02020603050405020304" pitchFamily="18" charset="0"/>
-                <a:cs typeface="Times New Roman" panose="02020603050405020304" pitchFamily="18" charset="0"/>
-              </a:rPr>
-              <a:t>• Probability-weighted outcomes</a:t>
-            </a:r>
-            <a:br>
-              <a:rPr lang="en-US" sz="1400" dirty="0">
-                <a:latin typeface="Times New Roman" panose="02020603050405020304" pitchFamily="18" charset="0"/>
-                <a:cs typeface="Times New Roman" panose="02020603050405020304" pitchFamily="18" charset="0"/>
-              </a:rPr>
-            </a:br>
-            <a:r>
-              <a:rPr lang="en-US" sz="1400" dirty="0">
-                <a:latin typeface="Times New Roman" panose="02020603050405020304" pitchFamily="18" charset="0"/>
-                <a:cs typeface="Times New Roman" panose="02020603050405020304" pitchFamily="18" charset="0"/>
-              </a:rPr>
-              <a:t>• Documented rationale for weights</a:t>
+              <a:t>Documented rationale for weights</a:t>
             </a:r>
           </a:p>
           <a:p>
@@ -9631,10 +9732,13 @@
             </a:endParaRPr>
           </a:p>
           <a:p>
-            <a:endParaRPr lang="en-US" sz="1400" b="1" dirty="0">
-              <a:latin typeface="Times New Roman" panose="02020603050405020304" pitchFamily="18" charset="0"/>
-              <a:cs typeface="Times New Roman" panose="02020603050405020304" pitchFamily="18" charset="0"/>
-            </a:endParaRPr>
+            <a:r>
+              <a:rPr lang="en-US" sz="1400" b="1" dirty="0">
+                <a:latin typeface="Times New Roman" panose="02020603050405020304" pitchFamily="18" charset="0"/>
+                <a:cs typeface="Times New Roman" panose="02020603050405020304" pitchFamily="18" charset="0"/>
+              </a:rPr>
+              <a:t>ECL Calculation Example:</a:t>
+            </a:r>
           </a:p>
           <a:p>
             <a:pPr marL="0" indent="0">
@@ -9645,23 +9749,7 @@
                 <a:latin typeface="Times New Roman" panose="02020603050405020304" pitchFamily="18" charset="0"/>
                 <a:cs typeface="Times New Roman" panose="02020603050405020304" pitchFamily="18" charset="0"/>
               </a:rPr>
-              <a:t>     </a:t>
-            </a:r>
-            <a:r>
-              <a:rPr lang="en-US" sz="1400" b="1" u="sng" dirty="0">
-                <a:latin typeface="Times New Roman" panose="02020603050405020304" pitchFamily="18" charset="0"/>
-                <a:cs typeface="Times New Roman" panose="02020603050405020304" pitchFamily="18" charset="0"/>
-              </a:rPr>
-              <a:t>ECL Calculation Example:</a:t>
-            </a:r>
-          </a:p>
-          <a:p>
-            <a:r>
-              <a:rPr lang="en-US" sz="1400" b="1" dirty="0">
-                <a:latin typeface="Times New Roman" panose="02020603050405020304" pitchFamily="18" charset="0"/>
-                <a:cs typeface="Times New Roman" panose="02020603050405020304" pitchFamily="18" charset="0"/>
-              </a:rPr>
-              <a:t>Portfolio:</a:t>
+              <a:t>     Portfolio:</a:t>
             </a:r>
             <a:r>
               <a:rPr lang="en-US" sz="1400" dirty="0">
@@ -9672,12 +9760,15 @@
             </a:r>
           </a:p>
           <a:p>
+            <a:pPr marL="0" indent="0">
+              <a:buNone/>
+            </a:pPr>
             <a:r>
               <a:rPr lang="en-US" sz="1400" dirty="0">
                 <a:latin typeface="Times New Roman" panose="02020603050405020304" pitchFamily="18" charset="0"/>
                 <a:cs typeface="Times New Roman" panose="02020603050405020304" pitchFamily="18" charset="0"/>
               </a:rPr>
-              <a:t>Average PD: 3% | Average LGD: 45%</a:t>
+              <a:t>     Average PD: 3% | Average LGD: 45%</a:t>
             </a:r>
           </a:p>
           <a:p>
@@ -9714,12 +9805,15 @@
             </a:endParaRPr>
           </a:p>
           <a:p>
+            <a:pPr marL="0" indent="0">
+              <a:buNone/>
+            </a:pPr>
             <a:r>
               <a:rPr lang="en-US" sz="1400" b="1" dirty="0">
                 <a:latin typeface="Times New Roman" panose="02020603050405020304" pitchFamily="18" charset="0"/>
                 <a:cs typeface="Times New Roman" panose="02020603050405020304" pitchFamily="18" charset="0"/>
               </a:rPr>
-              <a:t>Total Weighted ECL: $1.43M (1.43% of portfolio)</a:t>
+              <a:t>    Total Weighted ECL: $1.43M (1.43% of portfolio)</a:t>
             </a:r>
             <a:br>
               <a:rPr lang="en-US" sz="1400" dirty="0">
@@ -9758,13 +9852,13 @@
           <p:nvPr>
             <p:extLst>
               <p:ext uri="{D42A27DB-BD31-4B8C-83A1-F6EECF244321}">
-                <p14:modId xmlns:p14="http://schemas.microsoft.com/office/powerpoint/2010/main" val="1218543752"/>
+                <p14:modId xmlns:p14="http://schemas.microsoft.com/office/powerpoint/2010/main" val="488792302"/>
               </p:ext>
             </p:extLst>
           </p:nvPr>
         </p:nvGraphicFramePr>
         <p:xfrm>
-          <a:off x="934720" y="2064799"/>
+          <a:off x="934720" y="2153920"/>
           <a:ext cx="5351780" cy="1275080"/>
         </p:xfrm>
         <a:graphic>
@@ -10250,14 +10344,14 @@
           <p:nvPr>
             <p:extLst>
               <p:ext uri="{D42A27DB-BD31-4B8C-83A1-F6EECF244321}">
-                <p14:modId xmlns:p14="http://schemas.microsoft.com/office/powerpoint/2010/main" val="1353734593"/>
+                <p14:modId xmlns:p14="http://schemas.microsoft.com/office/powerpoint/2010/main" val="3625869620"/>
               </p:ext>
             </p:extLst>
           </p:nvPr>
         </p:nvGraphicFramePr>
         <p:xfrm>
-          <a:off x="934720" y="4726461"/>
-          <a:ext cx="6068059" cy="1275080"/>
+          <a:off x="934720" y="4856830"/>
+          <a:ext cx="6068059" cy="1261110"/>
         </p:xfrm>
         <a:graphic>
           <a:graphicData uri="http://schemas.openxmlformats.org/drawingml/2006/table">
@@ -10302,7 +10396,7 @@
                   </a:extLst>
                 </a:gridCol>
               </a:tblGrid>
-              <a:tr h="318770">
+              <a:tr h="0">
                 <a:tc>
                   <a:txBody>
                     <a:bodyPr/>

--- a/IFRS Engine.pptx
+++ b/IFRS Engine.pptx
@@ -4091,42 +4091,49 @@
                 <a:latin typeface="Times New Roman" panose="02020603050405020304" pitchFamily="18" charset="0"/>
                 <a:cs typeface="Times New Roman" panose="02020603050405020304" pitchFamily="18" charset="0"/>
               </a:rPr>
-              <a:t>• Lifetime PD</a:t>
+              <a:t>• </a:t>
+            </a:r>
+            <a:r>
+              <a:rPr lang="en-US" sz="2400" dirty="0">
+                <a:latin typeface="Times New Roman" panose="02020603050405020304" pitchFamily="18" charset="0"/>
+                <a:cs typeface="Times New Roman" panose="02020603050405020304" pitchFamily="18" charset="0"/>
+              </a:rPr>
+              <a:t>Lifetime PD</a:t>
             </a:r>
             <a:br>
-              <a:rPr lang="en-US" sz="2400" b="1" dirty="0">
+              <a:rPr lang="en-US" sz="2400" dirty="0">
                 <a:latin typeface="Times New Roman" panose="02020603050405020304" pitchFamily="18" charset="0"/>
                 <a:cs typeface="Times New Roman" panose="02020603050405020304" pitchFamily="18" charset="0"/>
               </a:rPr>
             </a:br>
             <a:r>
-              <a:rPr lang="en-US" sz="2400" b="1" dirty="0">
+              <a:rPr lang="en-US" sz="2400" dirty="0">
                 <a:latin typeface="Times New Roman" panose="02020603050405020304" pitchFamily="18" charset="0"/>
                 <a:cs typeface="Times New Roman" panose="02020603050405020304" pitchFamily="18" charset="0"/>
               </a:rPr>
               <a:t>• Cashflow LGD </a:t>
             </a:r>
             <a:br>
-              <a:rPr lang="en-US" sz="2400" b="1" dirty="0">
+              <a:rPr lang="en-US" sz="2400" dirty="0">
                 <a:latin typeface="Times New Roman" panose="02020603050405020304" pitchFamily="18" charset="0"/>
                 <a:cs typeface="Times New Roman" panose="02020603050405020304" pitchFamily="18" charset="0"/>
               </a:rPr>
             </a:br>
             <a:r>
-              <a:rPr lang="en-US" sz="2400" b="1" dirty="0">
+              <a:rPr lang="en-US" sz="2400" dirty="0">
                 <a:latin typeface="Times New Roman" panose="02020603050405020304" pitchFamily="18" charset="0"/>
                 <a:cs typeface="Times New Roman" panose="02020603050405020304" pitchFamily="18" charset="0"/>
               </a:rPr>
               <a:t>• Stage 3 ECL </a:t>
             </a:r>
             <a:br>
-              <a:rPr lang="en-US" sz="2400" b="1" dirty="0">
+              <a:rPr lang="en-US" sz="2400" dirty="0">
                 <a:latin typeface="Times New Roman" panose="02020603050405020304" pitchFamily="18" charset="0"/>
                 <a:cs typeface="Times New Roman" panose="02020603050405020304" pitchFamily="18" charset="0"/>
               </a:rPr>
             </a:br>
             <a:r>
-              <a:rPr lang="en-US" sz="2400" b="1" dirty="0">
+              <a:rPr lang="en-US" sz="2400" dirty="0">
                 <a:latin typeface="Times New Roman" panose="02020603050405020304" pitchFamily="18" charset="0"/>
                 <a:cs typeface="Times New Roman" panose="02020603050405020304" pitchFamily="18" charset="0"/>
               </a:rPr>
@@ -6692,11 +6699,11 @@
           <a:lstStyle/>
           <a:p>
             <a:r>
-              <a:rPr lang="en-US" sz="1600" b="1">
-                <a:latin typeface="Times New Roman" panose="02020603050405020304" pitchFamily="18" charset="0"/>
-                <a:cs typeface="Times New Roman" panose="02020603050405020304" pitchFamily="18" charset="0"/>
-              </a:rPr>
-              <a:t>5: How it Works</a:t>
+              <a:rPr lang="en-US" sz="1600" b="1" dirty="0">
+                <a:latin typeface="Times New Roman" panose="02020603050405020304" pitchFamily="18" charset="0"/>
+                <a:cs typeface="Times New Roman" panose="02020603050405020304" pitchFamily="18" charset="0"/>
+              </a:rPr>
+              <a:t>How it Works</a:t>
             </a:r>
             <a:endParaRPr lang="en-US" sz="1600" dirty="0">
               <a:latin typeface="Times New Roman" panose="02020603050405020304" pitchFamily="18" charset="0"/>

--- a/IFRS Engine.pptx
+++ b/IFRS Engine.pptx
@@ -4267,13 +4267,13 @@
           <a:lstStyle/>
           <a:p>
             <a:r>
-              <a:rPr lang="en-US" sz="1600" b="1" dirty="0">
+              <a:rPr lang="en-US" sz="1800" b="1" dirty="0">
                 <a:latin typeface="Times New Roman" panose="02020603050405020304" pitchFamily="18" charset="0"/>
                 <a:cs typeface="Times New Roman" panose="02020603050405020304" pitchFamily="18" charset="0"/>
               </a:rPr>
               <a:t>Architecture &amp; Integration</a:t>
             </a:r>
-            <a:endParaRPr lang="en-US" sz="1600" dirty="0">
+            <a:endParaRPr lang="en-US" sz="1800" dirty="0">
               <a:latin typeface="Times New Roman" panose="02020603050405020304" pitchFamily="18" charset="0"/>
               <a:cs typeface="Times New Roman" panose="02020603050405020304" pitchFamily="18" charset="0"/>
             </a:endParaRPr>
@@ -4639,7 +4639,7 @@
           <a:lstStyle/>
           <a:p>
             <a:r>
-              <a:rPr lang="en-US" sz="1600" b="1" dirty="0">
+              <a:rPr lang="en-US" sz="1800" b="1" dirty="0">
                 <a:latin typeface="Times New Roman" panose="02020603050405020304" pitchFamily="18" charset="0"/>
                 <a:cs typeface="Times New Roman" panose="02020603050405020304" pitchFamily="18" charset="0"/>
               </a:rPr>
@@ -5699,8 +5699,8 @@
         </p:nvSpPr>
         <p:spPr>
           <a:xfrm>
-            <a:off x="4248150" y="445273"/>
-            <a:ext cx="3695700" cy="274155"/>
+            <a:off x="4438981" y="270344"/>
+            <a:ext cx="2279871" cy="274155"/>
           </a:xfrm>
         </p:spPr>
         <p:txBody>
@@ -5710,25 +5710,13 @@
           <a:lstStyle/>
           <a:p>
             <a:r>
-              <a:rPr lang="en-US" sz="1600" b="1" dirty="0">
+              <a:rPr lang="en-US" sz="1800" b="1" dirty="0">
                 <a:latin typeface="Times New Roman" panose="02020603050405020304" pitchFamily="18" charset="0"/>
                 <a:cs typeface="Times New Roman" panose="02020603050405020304" pitchFamily="18" charset="0"/>
               </a:rPr>
               <a:t>Executive Summary</a:t>
             </a:r>
-            <a:br>
-              <a:rPr lang="en-US" sz="1600" b="1" dirty="0">
-                <a:latin typeface="Times New Roman" panose="02020603050405020304" pitchFamily="18" charset="0"/>
-                <a:cs typeface="Times New Roman" panose="02020603050405020304" pitchFamily="18" charset="0"/>
-              </a:rPr>
-            </a:br>
-            <a:br>
-              <a:rPr lang="en-US" sz="1600" b="1" dirty="0">
-                <a:latin typeface="Times New Roman" panose="02020603050405020304" pitchFamily="18" charset="0"/>
-                <a:cs typeface="Times New Roman" panose="02020603050405020304" pitchFamily="18" charset="0"/>
-              </a:rPr>
-            </a:br>
-            <a:endParaRPr lang="en-US" sz="1600" dirty="0">
+            <a:endParaRPr lang="en-US" sz="1800" dirty="0">
               <a:latin typeface="Times New Roman" panose="02020603050405020304" pitchFamily="18" charset="0"/>
               <a:cs typeface="Times New Roman" panose="02020603050405020304" pitchFamily="18" charset="0"/>
             </a:endParaRPr>
@@ -5980,27 +5968,17 @@
         </p:spPr>
         <p:txBody>
           <a:bodyPr>
-            <a:normAutofit fontScale="90000"/>
+            <a:noAutofit/>
           </a:bodyPr>
           <a:lstStyle/>
           <a:p>
             <a:r>
-              <a:rPr lang="en-US" sz="1600" b="1" dirty="0">
+              <a:rPr lang="en-US" sz="1800" b="1" dirty="0">
                 <a:latin typeface="Times New Roman" panose="02020603050405020304" pitchFamily="18" charset="0"/>
                 <a:cs typeface="Times New Roman" panose="02020603050405020304" pitchFamily="18" charset="0"/>
               </a:rPr>
               <a:t>Problem Statement</a:t>
             </a:r>
-            <a:br>
-              <a:rPr lang="en-US" sz="1600" b="1" dirty="0">
-                <a:latin typeface="Times New Roman" panose="02020603050405020304" pitchFamily="18" charset="0"/>
-                <a:cs typeface="Times New Roman" panose="02020603050405020304" pitchFamily="18" charset="0"/>
-              </a:rPr>
-            </a:br>
-            <a:endParaRPr lang="en-US" sz="1600" b="1" dirty="0">
-              <a:latin typeface="Times New Roman" panose="02020603050405020304" pitchFamily="18" charset="0"/>
-              <a:cs typeface="Times New Roman" panose="02020603050405020304" pitchFamily="18" charset="0"/>
-            </a:endParaRPr>
           </a:p>
         </p:txBody>
       </p:sp>
@@ -6300,33 +6278,23 @@
         </p:nvSpPr>
         <p:spPr>
           <a:xfrm>
-            <a:off x="3565000" y="119062"/>
-            <a:ext cx="5555146" cy="581025"/>
+            <a:off x="3072019" y="51104"/>
+            <a:ext cx="6445692" cy="581025"/>
           </a:xfrm>
         </p:spPr>
         <p:txBody>
           <a:bodyPr>
-            <a:normAutofit fontScale="90000"/>
+            <a:noAutofit/>
           </a:bodyPr>
           <a:lstStyle/>
           <a:p>
             <a:r>
-              <a:rPr lang="en-US" sz="1600" b="1" dirty="0">
+              <a:rPr lang="en-US" sz="1800" b="1" dirty="0">
                 <a:latin typeface="Times New Roman" panose="02020603050405020304" pitchFamily="18" charset="0"/>
                 <a:cs typeface="Times New Roman" panose="02020603050405020304" pitchFamily="18" charset="0"/>
               </a:rPr>
               <a:t>Our Solution IFRS 9 Engine – Complete Compliance Platform</a:t>
             </a:r>
-            <a:br>
-              <a:rPr lang="en-US" sz="1600" b="1" dirty="0">
-                <a:latin typeface="Times New Roman" panose="02020603050405020304" pitchFamily="18" charset="0"/>
-                <a:cs typeface="Times New Roman" panose="02020603050405020304" pitchFamily="18" charset="0"/>
-              </a:rPr>
-            </a:br>
-            <a:endParaRPr lang="en-US" sz="1600" b="1" dirty="0">
-              <a:latin typeface="Times New Roman" panose="02020603050405020304" pitchFamily="18" charset="0"/>
-              <a:cs typeface="Times New Roman" panose="02020603050405020304" pitchFamily="18" charset="0"/>
-            </a:endParaRPr>
           </a:p>
         </p:txBody>
       </p:sp>
@@ -6689,7 +6657,7 @@
         <p:spPr>
           <a:xfrm>
             <a:off x="4373880" y="98425"/>
-            <a:ext cx="2636520" cy="389255"/>
+            <a:ext cx="1796332" cy="389255"/>
           </a:xfrm>
         </p:spPr>
         <p:txBody>
@@ -6699,13 +6667,13 @@
           <a:lstStyle/>
           <a:p>
             <a:r>
-              <a:rPr lang="en-US" sz="1600" b="1" dirty="0">
+              <a:rPr lang="en-US" sz="1800" b="1" dirty="0">
                 <a:latin typeface="Times New Roman" panose="02020603050405020304" pitchFamily="18" charset="0"/>
                 <a:cs typeface="Times New Roman" panose="02020603050405020304" pitchFamily="18" charset="0"/>
               </a:rPr>
               <a:t>How it Works</a:t>
             </a:r>
-            <a:endParaRPr lang="en-US" sz="1600" dirty="0">
+            <a:endParaRPr lang="en-US" sz="1800" dirty="0">
               <a:latin typeface="Times New Roman" panose="02020603050405020304" pitchFamily="18" charset="0"/>
               <a:cs typeface="Times New Roman" panose="02020603050405020304" pitchFamily="18" charset="0"/>
             </a:endParaRPr>
@@ -6920,13 +6888,13 @@
           <a:lstStyle/>
           <a:p>
             <a:r>
-              <a:rPr lang="en-US" sz="1600" b="1" dirty="0">
+              <a:rPr lang="en-US" sz="1800" b="1" dirty="0">
                 <a:latin typeface="Times New Roman" panose="02020603050405020304" pitchFamily="18" charset="0"/>
                 <a:cs typeface="Times New Roman" panose="02020603050405020304" pitchFamily="18" charset="0"/>
               </a:rPr>
               <a:t>Stage Allocation Logic</a:t>
             </a:r>
-            <a:endParaRPr lang="en-US" sz="1600" dirty="0">
+            <a:endParaRPr lang="en-US" sz="1800" dirty="0">
               <a:latin typeface="Times New Roman" panose="02020603050405020304" pitchFamily="18" charset="0"/>
               <a:cs typeface="Times New Roman" panose="02020603050405020304" pitchFamily="18" charset="0"/>
             </a:endParaRPr>
@@ -7801,13 +7769,13 @@
           <a:lstStyle/>
           <a:p>
             <a:r>
-              <a:rPr lang="en-US" sz="1600" b="1" dirty="0">
+              <a:rPr lang="en-US" sz="1800" b="1" dirty="0">
                 <a:latin typeface="Times New Roman" panose="02020603050405020304" pitchFamily="18" charset="0"/>
                 <a:cs typeface="Times New Roman" panose="02020603050405020304" pitchFamily="18" charset="0"/>
               </a:rPr>
               <a:t>Lifetime PD Modeling</a:t>
             </a:r>
-            <a:endParaRPr lang="en-US" sz="1600" dirty="0">
+            <a:endParaRPr lang="en-US" sz="1800" dirty="0">
               <a:latin typeface="Times New Roman" panose="02020603050405020304" pitchFamily="18" charset="0"/>
               <a:cs typeface="Times New Roman" panose="02020603050405020304" pitchFamily="18" charset="0"/>
             </a:endParaRPr>
@@ -8464,7 +8432,7 @@
           <a:lstStyle/>
           <a:p>
             <a:r>
-              <a:rPr lang="en-US" sz="1600" b="1" dirty="0">
+              <a:rPr lang="en-US" sz="1800" b="1" dirty="0">
                 <a:latin typeface="Times New Roman" panose="02020603050405020304" pitchFamily="18" charset="0"/>
                 <a:cs typeface="Times New Roman" panose="02020603050405020304" pitchFamily="18" charset="0"/>
               </a:rPr>
@@ -9593,7 +9561,7 @@
           <a:lstStyle/>
           <a:p>
             <a:r>
-              <a:rPr lang="en-US" sz="1600" b="1" dirty="0">
+              <a:rPr lang="en-US" sz="1800" b="1" dirty="0">
                 <a:latin typeface="Times New Roman" panose="02020603050405020304" pitchFamily="18" charset="0"/>
                 <a:cs typeface="Times New Roman" panose="02020603050405020304" pitchFamily="18" charset="0"/>
               </a:rPr>

--- a/IFRS Engine.pptx
+++ b/IFRS Engine.pptx
@@ -124,6 +124,1054 @@
     </p:ext>
   </p:extLst>
 </p:presentation>
+</file>
+
+<file path=ppt/charts/chart1.xml><?xml version="1.0" encoding="utf-8"?>
+<c:chartSpace xmlns:c="http://schemas.openxmlformats.org/drawingml/2006/chart" xmlns:a="http://schemas.openxmlformats.org/drawingml/2006/main" xmlns:r="http://schemas.openxmlformats.org/officeDocument/2006/relationships" xmlns:c16r2="http://schemas.microsoft.com/office/drawing/2015/06/chart">
+  <c:date1904 val="0"/>
+  <c:lang val="en-US"/>
+  <c:roundedCorners val="0"/>
+  <mc:AlternateContent xmlns:mc="http://schemas.openxmlformats.org/markup-compatibility/2006">
+    <mc:Choice xmlns:c14="http://schemas.microsoft.com/office/drawing/2007/8/2/chart" Requires="c14">
+      <c14:style val="102"/>
+    </mc:Choice>
+    <mc:Fallback>
+      <c:style val="2"/>
+    </mc:Fallback>
+  </mc:AlternateContent>
+  <c:chart>
+    <c:title>
+      <c:tx>
+        <c:rich>
+          <a:bodyPr rot="0" spcFirstLastPara="1" vertOverflow="ellipsis" vert="horz" wrap="square" anchor="ctr" anchorCtr="1"/>
+          <a:lstStyle/>
+          <a:p>
+            <a:pPr>
+              <a:defRPr sz="1862" b="0" i="0" u="none" strike="noStrike" kern="1200" spc="0" baseline="0">
+                <a:solidFill>
+                  <a:schemeClr val="tx1">
+                    <a:lumMod val="65000"/>
+                    <a:lumOff val="35000"/>
+                  </a:schemeClr>
+                </a:solidFill>
+                <a:latin typeface="+mn-lt"/>
+                <a:ea typeface="+mn-ea"/>
+                <a:cs typeface="+mn-cs"/>
+              </a:defRPr>
+            </a:pPr>
+            <a:r>
+              <a:rPr lang="en-US" dirty="0"/>
+              <a:t>Cumulative PD</a:t>
+            </a:r>
+          </a:p>
+        </c:rich>
+      </c:tx>
+      <c:overlay val="0"/>
+      <c:spPr>
+        <a:gradFill>
+          <a:gsLst>
+            <a:gs pos="0">
+              <a:schemeClr val="accent1">
+                <a:lumMod val="5000"/>
+                <a:lumOff val="95000"/>
+              </a:schemeClr>
+            </a:gs>
+            <a:gs pos="74000">
+              <a:schemeClr val="accent1">
+                <a:lumMod val="45000"/>
+                <a:lumOff val="55000"/>
+              </a:schemeClr>
+            </a:gs>
+            <a:gs pos="83000">
+              <a:schemeClr val="accent1">
+                <a:lumMod val="45000"/>
+                <a:lumOff val="55000"/>
+              </a:schemeClr>
+            </a:gs>
+            <a:gs pos="100000">
+              <a:schemeClr val="accent1">
+                <a:lumMod val="30000"/>
+                <a:lumOff val="70000"/>
+              </a:schemeClr>
+            </a:gs>
+          </a:gsLst>
+          <a:lin ang="5400000" scaled="1"/>
+        </a:gradFill>
+        <a:ln>
+          <a:noFill/>
+        </a:ln>
+        <a:effectLst/>
+      </c:spPr>
+      <c:txPr>
+        <a:bodyPr rot="0" spcFirstLastPara="1" vertOverflow="ellipsis" vert="horz" wrap="square" anchor="ctr" anchorCtr="1"/>
+        <a:lstStyle/>
+        <a:p>
+          <a:pPr>
+            <a:defRPr sz="1862" b="0" i="0" u="none" strike="noStrike" kern="1200" spc="0" baseline="0">
+              <a:solidFill>
+                <a:schemeClr val="tx1">
+                  <a:lumMod val="65000"/>
+                  <a:lumOff val="35000"/>
+                </a:schemeClr>
+              </a:solidFill>
+              <a:latin typeface="+mn-lt"/>
+              <a:ea typeface="+mn-ea"/>
+              <a:cs typeface="+mn-cs"/>
+            </a:defRPr>
+          </a:pPr>
+          <a:endParaRPr lang="en-US"/>
+        </a:p>
+      </c:txPr>
+    </c:title>
+    <c:autoTitleDeleted val="0"/>
+    <c:plotArea>
+      <c:layout>
+        <c:manualLayout>
+          <c:layoutTarget val="inner"/>
+          <c:xMode val="edge"/>
+          <c:yMode val="edge"/>
+          <c:x val="5.4604084645669293E-2"/>
+          <c:y val="0.1769503459061057"/>
+          <c:w val="0.94539591535433076"/>
+          <c:h val="0.76772959105994154"/>
+        </c:manualLayout>
+      </c:layout>
+      <c:barChart>
+        <c:barDir val="col"/>
+        <c:grouping val="clustered"/>
+        <c:varyColors val="0"/>
+        <c:ser>
+          <c:idx val="0"/>
+          <c:order val="0"/>
+          <c:tx>
+            <c:strRef>
+              <c:f>Sheet1!$B$1</c:f>
+              <c:strCache>
+                <c:ptCount val="1"/>
+                <c:pt idx="0">
+                  <c:v>Basecase</c:v>
+                </c:pt>
+              </c:strCache>
+            </c:strRef>
+          </c:tx>
+          <c:spPr>
+            <a:solidFill>
+              <a:schemeClr val="accent1"/>
+            </a:solidFill>
+            <a:ln>
+              <a:noFill/>
+            </a:ln>
+            <a:effectLst/>
+          </c:spPr>
+          <c:invertIfNegative val="0"/>
+          <c:cat>
+            <c:numRef>
+              <c:f>Sheet1!$A$2:$A$5</c:f>
+              <c:numCache>
+                <c:formatCode>General</c:formatCode>
+                <c:ptCount val="4"/>
+                <c:pt idx="0">
+                  <c:v>12</c:v>
+                </c:pt>
+                <c:pt idx="1">
+                  <c:v>24</c:v>
+                </c:pt>
+                <c:pt idx="2">
+                  <c:v>36</c:v>
+                </c:pt>
+              </c:numCache>
+            </c:numRef>
+          </c:cat>
+          <c:val>
+            <c:numRef>
+              <c:f>Sheet1!$B$2:$B$5</c:f>
+              <c:numCache>
+                <c:formatCode>0.00%</c:formatCode>
+                <c:ptCount val="4"/>
+                <c:pt idx="0">
+                  <c:v>2.5000000000000001E-2</c:v>
+                </c:pt>
+                <c:pt idx="1">
+                  <c:v>4.8500000000000001E-2</c:v>
+                </c:pt>
+                <c:pt idx="2">
+                  <c:v>7.0499999999999993E-2</c:v>
+                </c:pt>
+              </c:numCache>
+            </c:numRef>
+          </c:val>
+          <c:extLst>
+            <c:ext xmlns:c16="http://schemas.microsoft.com/office/drawing/2014/chart" uri="{C3380CC4-5D6E-409C-BE32-E72D297353CC}">
+              <c16:uniqueId val="{00000000-67D3-4170-8BC9-DE281CEC0765}"/>
+            </c:ext>
+          </c:extLst>
+        </c:ser>
+        <c:ser>
+          <c:idx val="1"/>
+          <c:order val="1"/>
+          <c:tx>
+            <c:strRef>
+              <c:f>Sheet1!$C$1</c:f>
+              <c:strCache>
+                <c:ptCount val="1"/>
+                <c:pt idx="0">
+                  <c:v>Upside</c:v>
+                </c:pt>
+              </c:strCache>
+            </c:strRef>
+          </c:tx>
+          <c:spPr>
+            <a:solidFill>
+              <a:schemeClr val="accent2"/>
+            </a:solidFill>
+            <a:ln>
+              <a:noFill/>
+            </a:ln>
+            <a:effectLst/>
+          </c:spPr>
+          <c:invertIfNegative val="0"/>
+          <c:cat>
+            <c:numRef>
+              <c:f>Sheet1!$A$2:$A$5</c:f>
+              <c:numCache>
+                <c:formatCode>General</c:formatCode>
+                <c:ptCount val="4"/>
+                <c:pt idx="0">
+                  <c:v>12</c:v>
+                </c:pt>
+                <c:pt idx="1">
+                  <c:v>24</c:v>
+                </c:pt>
+                <c:pt idx="2">
+                  <c:v>36</c:v>
+                </c:pt>
+              </c:numCache>
+            </c:numRef>
+          </c:cat>
+          <c:val>
+            <c:numRef>
+              <c:f>Sheet1!$C$2:$C$5</c:f>
+              <c:numCache>
+                <c:formatCode>0.00%</c:formatCode>
+                <c:ptCount val="4"/>
+                <c:pt idx="0">
+                  <c:v>0.02</c:v>
+                </c:pt>
+                <c:pt idx="1">
+                  <c:v>3.8800000000000001E-2</c:v>
+                </c:pt>
+                <c:pt idx="2">
+                  <c:v>5.6399999999999999E-2</c:v>
+                </c:pt>
+              </c:numCache>
+            </c:numRef>
+          </c:val>
+          <c:extLst>
+            <c:ext xmlns:c16="http://schemas.microsoft.com/office/drawing/2014/chart" uri="{C3380CC4-5D6E-409C-BE32-E72D297353CC}">
+              <c16:uniqueId val="{00000001-67D3-4170-8BC9-DE281CEC0765}"/>
+            </c:ext>
+          </c:extLst>
+        </c:ser>
+        <c:ser>
+          <c:idx val="2"/>
+          <c:order val="2"/>
+          <c:tx>
+            <c:strRef>
+              <c:f>Sheet1!$D$1</c:f>
+              <c:strCache>
+                <c:ptCount val="1"/>
+                <c:pt idx="0">
+                  <c:v>Downside</c:v>
+                </c:pt>
+              </c:strCache>
+            </c:strRef>
+          </c:tx>
+          <c:spPr>
+            <a:solidFill>
+              <a:schemeClr val="accent3"/>
+            </a:solidFill>
+            <a:ln>
+              <a:noFill/>
+            </a:ln>
+            <a:effectLst/>
+          </c:spPr>
+          <c:invertIfNegative val="0"/>
+          <c:cat>
+            <c:numRef>
+              <c:f>Sheet1!$A$2:$A$5</c:f>
+              <c:numCache>
+                <c:formatCode>General</c:formatCode>
+                <c:ptCount val="4"/>
+                <c:pt idx="0">
+                  <c:v>12</c:v>
+                </c:pt>
+                <c:pt idx="1">
+                  <c:v>24</c:v>
+                </c:pt>
+                <c:pt idx="2">
+                  <c:v>36</c:v>
+                </c:pt>
+              </c:numCache>
+            </c:numRef>
+          </c:cat>
+          <c:val>
+            <c:numRef>
+              <c:f>Sheet1!$D$2:$D$5</c:f>
+              <c:numCache>
+                <c:formatCode>0.00%</c:formatCode>
+                <c:ptCount val="4"/>
+                <c:pt idx="0">
+                  <c:v>3.2500000000000001E-2</c:v>
+                </c:pt>
+                <c:pt idx="1">
+                  <c:v>6.3E-2</c:v>
+                </c:pt>
+                <c:pt idx="2">
+                  <c:v>9.1700000000000004E-2</c:v>
+                </c:pt>
+              </c:numCache>
+            </c:numRef>
+          </c:val>
+          <c:extLst>
+            <c:ext xmlns:c16="http://schemas.microsoft.com/office/drawing/2014/chart" uri="{C3380CC4-5D6E-409C-BE32-E72D297353CC}">
+              <c16:uniqueId val="{00000002-67D3-4170-8BC9-DE281CEC0765}"/>
+            </c:ext>
+          </c:extLst>
+        </c:ser>
+        <c:dLbls>
+          <c:showLegendKey val="0"/>
+          <c:showVal val="0"/>
+          <c:showCatName val="0"/>
+          <c:showSerName val="0"/>
+          <c:showPercent val="0"/>
+          <c:showBubbleSize val="0"/>
+        </c:dLbls>
+        <c:gapWidth val="219"/>
+        <c:overlap val="-27"/>
+        <c:axId val="1246526064"/>
+        <c:axId val="1246525104"/>
+      </c:barChart>
+      <c:catAx>
+        <c:axId val="1246526064"/>
+        <c:scaling>
+          <c:orientation val="minMax"/>
+        </c:scaling>
+        <c:delete val="0"/>
+        <c:axPos val="b"/>
+        <c:numFmt formatCode="General" sourceLinked="1"/>
+        <c:majorTickMark val="none"/>
+        <c:minorTickMark val="none"/>
+        <c:tickLblPos val="nextTo"/>
+        <c:spPr>
+          <a:noFill/>
+          <a:ln w="9525" cap="flat" cmpd="sng" algn="ctr">
+            <a:solidFill>
+              <a:schemeClr val="tx1">
+                <a:lumMod val="15000"/>
+                <a:lumOff val="85000"/>
+              </a:schemeClr>
+            </a:solidFill>
+            <a:round/>
+          </a:ln>
+          <a:effectLst/>
+        </c:spPr>
+        <c:txPr>
+          <a:bodyPr rot="-60000000" spcFirstLastPara="1" vertOverflow="ellipsis" vert="horz" wrap="square" anchor="ctr" anchorCtr="1"/>
+          <a:lstStyle/>
+          <a:p>
+            <a:pPr>
+              <a:defRPr sz="1197" b="0" i="0" u="none" strike="noStrike" kern="1200" baseline="0">
+                <a:solidFill>
+                  <a:schemeClr val="tx1">
+                    <a:lumMod val="65000"/>
+                    <a:lumOff val="35000"/>
+                  </a:schemeClr>
+                </a:solidFill>
+                <a:latin typeface="+mn-lt"/>
+                <a:ea typeface="+mn-ea"/>
+                <a:cs typeface="+mn-cs"/>
+              </a:defRPr>
+            </a:pPr>
+            <a:endParaRPr lang="en-US"/>
+          </a:p>
+        </c:txPr>
+        <c:crossAx val="1246525104"/>
+        <c:crosses val="autoZero"/>
+        <c:auto val="1"/>
+        <c:lblAlgn val="ctr"/>
+        <c:lblOffset val="100"/>
+        <c:noMultiLvlLbl val="0"/>
+      </c:catAx>
+      <c:valAx>
+        <c:axId val="1246525104"/>
+        <c:scaling>
+          <c:orientation val="minMax"/>
+        </c:scaling>
+        <c:delete val="0"/>
+        <c:axPos val="l"/>
+        <c:majorGridlines>
+          <c:spPr>
+            <a:ln w="9525" cap="flat" cmpd="sng" algn="ctr">
+              <a:solidFill>
+                <a:schemeClr val="tx1">
+                  <a:lumMod val="15000"/>
+                  <a:lumOff val="85000"/>
+                </a:schemeClr>
+              </a:solidFill>
+              <a:round/>
+            </a:ln>
+            <a:effectLst/>
+          </c:spPr>
+        </c:majorGridlines>
+        <c:numFmt formatCode="0.00%" sourceLinked="1"/>
+        <c:majorTickMark val="none"/>
+        <c:minorTickMark val="none"/>
+        <c:tickLblPos val="nextTo"/>
+        <c:spPr>
+          <a:noFill/>
+          <a:ln>
+            <a:noFill/>
+          </a:ln>
+          <a:effectLst/>
+        </c:spPr>
+        <c:txPr>
+          <a:bodyPr rot="-60000000" spcFirstLastPara="1" vertOverflow="ellipsis" vert="horz" wrap="square" anchor="ctr" anchorCtr="1"/>
+          <a:lstStyle/>
+          <a:p>
+            <a:pPr>
+              <a:defRPr sz="1197" b="0" i="0" u="none" strike="noStrike" kern="1200" baseline="0">
+                <a:solidFill>
+                  <a:schemeClr val="tx1">
+                    <a:lumMod val="65000"/>
+                    <a:lumOff val="35000"/>
+                  </a:schemeClr>
+                </a:solidFill>
+                <a:latin typeface="+mn-lt"/>
+                <a:ea typeface="+mn-ea"/>
+                <a:cs typeface="+mn-cs"/>
+              </a:defRPr>
+            </a:pPr>
+            <a:endParaRPr lang="en-US"/>
+          </a:p>
+        </c:txPr>
+        <c:crossAx val="1246526064"/>
+        <c:crosses val="autoZero"/>
+        <c:crossBetween val="between"/>
+      </c:valAx>
+      <c:spPr>
+        <a:noFill/>
+        <a:ln>
+          <a:noFill/>
+        </a:ln>
+        <a:effectLst/>
+      </c:spPr>
+    </c:plotArea>
+    <c:legend>
+      <c:legendPos val="b"/>
+      <c:overlay val="0"/>
+      <c:spPr>
+        <a:noFill/>
+        <a:ln>
+          <a:noFill/>
+        </a:ln>
+        <a:effectLst/>
+      </c:spPr>
+      <c:txPr>
+        <a:bodyPr rot="0" spcFirstLastPara="1" vertOverflow="ellipsis" vert="horz" wrap="square" anchor="ctr" anchorCtr="1"/>
+        <a:lstStyle/>
+        <a:p>
+          <a:pPr>
+            <a:defRPr sz="1197" b="0" i="0" u="none" strike="noStrike" kern="1200" baseline="0">
+              <a:solidFill>
+                <a:schemeClr val="tx1">
+                  <a:lumMod val="65000"/>
+                  <a:lumOff val="35000"/>
+                </a:schemeClr>
+              </a:solidFill>
+              <a:latin typeface="+mn-lt"/>
+              <a:ea typeface="+mn-ea"/>
+              <a:cs typeface="+mn-cs"/>
+            </a:defRPr>
+          </a:pPr>
+          <a:endParaRPr lang="en-US"/>
+        </a:p>
+      </c:txPr>
+    </c:legend>
+    <c:plotVisOnly val="1"/>
+    <c:dispBlanksAs val="gap"/>
+    <c:showDLblsOverMax val="0"/>
+    <c:extLst>
+      <c:ext xmlns:c16r3="http://schemas.microsoft.com/office/drawing/2017/03/chart" uri="{56B9EC1D-385E-4148-901F-78D8002777C0}">
+        <c16r3:dataDisplayOptions16>
+          <c16r3:dispNaAsBlank val="1"/>
+        </c16r3:dataDisplayOptions16>
+      </c:ext>
+    </c:extLst>
+  </c:chart>
+  <c:spPr>
+    <a:noFill/>
+    <a:ln>
+      <a:noFill/>
+    </a:ln>
+    <a:effectLst/>
+  </c:spPr>
+  <c:txPr>
+    <a:bodyPr/>
+    <a:lstStyle/>
+    <a:p>
+      <a:pPr>
+        <a:defRPr/>
+      </a:pPr>
+      <a:endParaRPr lang="en-US"/>
+    </a:p>
+  </c:txPr>
+  <c:externalData r:id="rId3">
+    <c:autoUpdate val="0"/>
+  </c:externalData>
+</c:chartSpace>
+</file>
+
+<file path=ppt/charts/colors1.xml><?xml version="1.0" encoding="utf-8"?>
+<cs:colorStyle xmlns:cs="http://schemas.microsoft.com/office/drawing/2012/chartStyle" xmlns:a="http://schemas.openxmlformats.org/drawingml/2006/main" meth="cycle" id="10">
+  <a:schemeClr val="accent1"/>
+  <a:schemeClr val="accent2"/>
+  <a:schemeClr val="accent3"/>
+  <a:schemeClr val="accent4"/>
+  <a:schemeClr val="accent5"/>
+  <a:schemeClr val="accent6"/>
+  <cs:variation/>
+  <cs:variation>
+    <a:lumMod val="60000"/>
+  </cs:variation>
+  <cs:variation>
+    <a:lumMod val="80000"/>
+    <a:lumOff val="20000"/>
+  </cs:variation>
+  <cs:variation>
+    <a:lumMod val="80000"/>
+  </cs:variation>
+  <cs:variation>
+    <a:lumMod val="60000"/>
+    <a:lumOff val="40000"/>
+  </cs:variation>
+  <cs:variation>
+    <a:lumMod val="50000"/>
+  </cs:variation>
+  <cs:variation>
+    <a:lumMod val="70000"/>
+    <a:lumOff val="30000"/>
+  </cs:variation>
+  <cs:variation>
+    <a:lumMod val="70000"/>
+  </cs:variation>
+  <cs:variation>
+    <a:lumMod val="50000"/>
+    <a:lumOff val="50000"/>
+  </cs:variation>
+</cs:colorStyle>
+</file>
+
+<file path=ppt/charts/style1.xml><?xml version="1.0" encoding="utf-8"?>
+<cs:chartStyle xmlns:cs="http://schemas.microsoft.com/office/drawing/2012/chartStyle" xmlns:a="http://schemas.openxmlformats.org/drawingml/2006/main" id="201">
+  <cs:axisTitle>
+    <cs:lnRef idx="0"/>
+    <cs:fillRef idx="0"/>
+    <cs:effectRef idx="0"/>
+    <cs:fontRef idx="minor">
+      <a:schemeClr val="tx1">
+        <a:lumMod val="65000"/>
+        <a:lumOff val="35000"/>
+      </a:schemeClr>
+    </cs:fontRef>
+    <cs:defRPr sz="1330" kern="1200"/>
+  </cs:axisTitle>
+  <cs:categoryAxis>
+    <cs:lnRef idx="0"/>
+    <cs:fillRef idx="0"/>
+    <cs:effectRef idx="0"/>
+    <cs:fontRef idx="minor">
+      <a:schemeClr val="tx1">
+        <a:lumMod val="65000"/>
+        <a:lumOff val="35000"/>
+      </a:schemeClr>
+    </cs:fontRef>
+    <cs:spPr>
+      <a:ln w="9525" cap="flat" cmpd="sng" algn="ctr">
+        <a:solidFill>
+          <a:schemeClr val="tx1">
+            <a:lumMod val="15000"/>
+            <a:lumOff val="85000"/>
+          </a:schemeClr>
+        </a:solidFill>
+        <a:round/>
+      </a:ln>
+    </cs:spPr>
+    <cs:defRPr sz="1197" kern="1200"/>
+  </cs:categoryAxis>
+  <cs:chartArea mods="allowNoFillOverride allowNoLineOverride">
+    <cs:lnRef idx="0"/>
+    <cs:fillRef idx="0"/>
+    <cs:effectRef idx="0"/>
+    <cs:fontRef idx="minor">
+      <a:schemeClr val="tx1"/>
+    </cs:fontRef>
+    <cs:spPr>
+      <a:solidFill>
+        <a:schemeClr val="bg1"/>
+      </a:solidFill>
+      <a:ln w="9525" cap="flat" cmpd="sng" algn="ctr">
+        <a:solidFill>
+          <a:schemeClr val="tx1">
+            <a:lumMod val="15000"/>
+            <a:lumOff val="85000"/>
+          </a:schemeClr>
+        </a:solidFill>
+        <a:round/>
+      </a:ln>
+    </cs:spPr>
+    <cs:defRPr sz="1330" kern="1200"/>
+  </cs:chartArea>
+  <cs:dataLabel>
+    <cs:lnRef idx="0"/>
+    <cs:fillRef idx="0"/>
+    <cs:effectRef idx="0"/>
+    <cs:fontRef idx="minor">
+      <a:schemeClr val="tx1">
+        <a:lumMod val="75000"/>
+        <a:lumOff val="25000"/>
+      </a:schemeClr>
+    </cs:fontRef>
+    <cs:defRPr sz="1197" kern="1200"/>
+  </cs:dataLabel>
+  <cs:dataLabelCallout>
+    <cs:lnRef idx="0"/>
+    <cs:fillRef idx="0"/>
+    <cs:effectRef idx="0"/>
+    <cs:fontRef idx="minor">
+      <a:schemeClr val="dk1">
+        <a:lumMod val="65000"/>
+        <a:lumOff val="35000"/>
+      </a:schemeClr>
+    </cs:fontRef>
+    <cs:spPr>
+      <a:solidFill>
+        <a:schemeClr val="lt1"/>
+      </a:solidFill>
+      <a:ln>
+        <a:solidFill>
+          <a:schemeClr val="dk1">
+            <a:lumMod val="25000"/>
+            <a:lumOff val="75000"/>
+          </a:schemeClr>
+        </a:solidFill>
+      </a:ln>
+    </cs:spPr>
+    <cs:defRPr sz="1197" kern="1200"/>
+    <cs:bodyPr rot="0" spcFirstLastPara="1" vertOverflow="clip" horzOverflow="clip" vert="horz" wrap="square" lIns="36576" tIns="18288" rIns="36576" bIns="18288" anchor="ctr" anchorCtr="1">
+      <a:spAutoFit/>
+    </cs:bodyPr>
+  </cs:dataLabelCallout>
+  <cs:dataPoint>
+    <cs:lnRef idx="0"/>
+    <cs:fillRef idx="1">
+      <cs:styleClr val="auto"/>
+    </cs:fillRef>
+    <cs:effectRef idx="0"/>
+    <cs:fontRef idx="minor">
+      <a:schemeClr val="tx1"/>
+    </cs:fontRef>
+  </cs:dataPoint>
+  <cs:dataPoint3D>
+    <cs:lnRef idx="0"/>
+    <cs:fillRef idx="1">
+      <cs:styleClr val="auto"/>
+    </cs:fillRef>
+    <cs:effectRef idx="0"/>
+    <cs:fontRef idx="minor">
+      <a:schemeClr val="tx1"/>
+    </cs:fontRef>
+  </cs:dataPoint3D>
+  <cs:dataPointLine>
+    <cs:lnRef idx="0">
+      <cs:styleClr val="auto"/>
+    </cs:lnRef>
+    <cs:fillRef idx="1"/>
+    <cs:effectRef idx="0"/>
+    <cs:fontRef idx="minor">
+      <a:schemeClr val="tx1"/>
+    </cs:fontRef>
+    <cs:spPr>
+      <a:ln w="28575" cap="rnd">
+        <a:solidFill>
+          <a:schemeClr val="phClr"/>
+        </a:solidFill>
+        <a:round/>
+      </a:ln>
+    </cs:spPr>
+  </cs:dataPointLine>
+  <cs:dataPointMarker>
+    <cs:lnRef idx="0">
+      <cs:styleClr val="auto"/>
+    </cs:lnRef>
+    <cs:fillRef idx="1">
+      <cs:styleClr val="auto"/>
+    </cs:fillRef>
+    <cs:effectRef idx="0"/>
+    <cs:fontRef idx="minor">
+      <a:schemeClr val="tx1"/>
+    </cs:fontRef>
+    <cs:spPr>
+      <a:ln w="9525">
+        <a:solidFill>
+          <a:schemeClr val="phClr"/>
+        </a:solidFill>
+      </a:ln>
+    </cs:spPr>
+  </cs:dataPointMarker>
+  <cs:dataPointMarkerLayout symbol="circle" size="5"/>
+  <cs:dataPointWireframe>
+    <cs:lnRef idx="0">
+      <cs:styleClr val="auto"/>
+    </cs:lnRef>
+    <cs:fillRef idx="1"/>
+    <cs:effectRef idx="0"/>
+    <cs:fontRef idx="minor">
+      <a:schemeClr val="tx1"/>
+    </cs:fontRef>
+    <cs:spPr>
+      <a:ln w="9525" cap="rnd">
+        <a:solidFill>
+          <a:schemeClr val="phClr"/>
+        </a:solidFill>
+        <a:round/>
+      </a:ln>
+    </cs:spPr>
+  </cs:dataPointWireframe>
+  <cs:dataTable>
+    <cs:lnRef idx="0"/>
+    <cs:fillRef idx="0"/>
+    <cs:effectRef idx="0"/>
+    <cs:fontRef idx="minor">
+      <a:schemeClr val="tx1">
+        <a:lumMod val="65000"/>
+        <a:lumOff val="35000"/>
+      </a:schemeClr>
+    </cs:fontRef>
+    <cs:spPr>
+      <a:noFill/>
+      <a:ln w="9525" cap="flat" cmpd="sng" algn="ctr">
+        <a:solidFill>
+          <a:schemeClr val="tx1">
+            <a:lumMod val="15000"/>
+            <a:lumOff val="85000"/>
+          </a:schemeClr>
+        </a:solidFill>
+        <a:round/>
+      </a:ln>
+    </cs:spPr>
+    <cs:defRPr sz="1197" kern="1200"/>
+  </cs:dataTable>
+  <cs:downBar>
+    <cs:lnRef idx="0"/>
+    <cs:fillRef idx="0"/>
+    <cs:effectRef idx="0"/>
+    <cs:fontRef idx="minor">
+      <a:schemeClr val="dk1"/>
+    </cs:fontRef>
+    <cs:spPr>
+      <a:solidFill>
+        <a:schemeClr val="dk1">
+          <a:lumMod val="65000"/>
+          <a:lumOff val="35000"/>
+        </a:schemeClr>
+      </a:solidFill>
+      <a:ln w="9525">
+        <a:solidFill>
+          <a:schemeClr val="tx1">
+            <a:lumMod val="65000"/>
+            <a:lumOff val="35000"/>
+          </a:schemeClr>
+        </a:solidFill>
+      </a:ln>
+    </cs:spPr>
+  </cs:downBar>
+  <cs:dropLine>
+    <cs:lnRef idx="0"/>
+    <cs:fillRef idx="0"/>
+    <cs:effectRef idx="0"/>
+    <cs:fontRef idx="minor">
+      <a:schemeClr val="tx1"/>
+    </cs:fontRef>
+    <cs:spPr>
+      <a:ln w="9525" cap="flat" cmpd="sng" algn="ctr">
+        <a:solidFill>
+          <a:schemeClr val="tx1">
+            <a:lumMod val="35000"/>
+            <a:lumOff val="65000"/>
+          </a:schemeClr>
+        </a:solidFill>
+        <a:round/>
+      </a:ln>
+    </cs:spPr>
+  </cs:dropLine>
+  <cs:errorBar>
+    <cs:lnRef idx="0"/>
+    <cs:fillRef idx="0"/>
+    <cs:effectRef idx="0"/>
+    <cs:fontRef idx="minor">
+      <a:schemeClr val="tx1"/>
+    </cs:fontRef>
+    <cs:spPr>
+      <a:ln w="9525" cap="flat" cmpd="sng" algn="ctr">
+        <a:solidFill>
+          <a:schemeClr val="tx1">
+            <a:lumMod val="65000"/>
+            <a:lumOff val="35000"/>
+          </a:schemeClr>
+        </a:solidFill>
+        <a:round/>
+      </a:ln>
+    </cs:spPr>
+  </cs:errorBar>
+  <cs:floor>
+    <cs:lnRef idx="0"/>
+    <cs:fillRef idx="0"/>
+    <cs:effectRef idx="0"/>
+    <cs:fontRef idx="minor">
+      <a:schemeClr val="tx1"/>
+    </cs:fontRef>
+    <cs:spPr>
+      <a:noFill/>
+      <a:ln>
+        <a:noFill/>
+      </a:ln>
+    </cs:spPr>
+  </cs:floor>
+  <cs:gridlineMajor>
+    <cs:lnRef idx="0"/>
+    <cs:fillRef idx="0"/>
+    <cs:effectRef idx="0"/>
+    <cs:fontRef idx="minor">
+      <a:schemeClr val="tx1"/>
+    </cs:fontRef>
+    <cs:spPr>
+      <a:ln w="9525" cap="flat" cmpd="sng" algn="ctr">
+        <a:solidFill>
+          <a:schemeClr val="tx1">
+            <a:lumMod val="15000"/>
+            <a:lumOff val="85000"/>
+          </a:schemeClr>
+        </a:solidFill>
+        <a:round/>
+      </a:ln>
+    </cs:spPr>
+  </cs:gridlineMajor>
+  <cs:gridlineMinor>
+    <cs:lnRef idx="0"/>
+    <cs:fillRef idx="0"/>
+    <cs:effectRef idx="0"/>
+    <cs:fontRef idx="minor">
+      <a:schemeClr val="tx1"/>
+    </cs:fontRef>
+    <cs:spPr>
+      <a:ln w="9525" cap="flat" cmpd="sng" algn="ctr">
+        <a:solidFill>
+          <a:schemeClr val="tx1">
+            <a:lumMod val="5000"/>
+            <a:lumOff val="95000"/>
+          </a:schemeClr>
+        </a:solidFill>
+        <a:round/>
+      </a:ln>
+    </cs:spPr>
+  </cs:gridlineMinor>
+  <cs:hiLoLine>
+    <cs:lnRef idx="0"/>
+    <cs:fillRef idx="0"/>
+    <cs:effectRef idx="0"/>
+    <cs:fontRef idx="minor">
+      <a:schemeClr val="tx1"/>
+    </cs:fontRef>
+    <cs:spPr>
+      <a:ln w="9525" cap="flat" cmpd="sng" algn="ctr">
+        <a:solidFill>
+          <a:schemeClr val="tx1">
+            <a:lumMod val="75000"/>
+            <a:lumOff val="25000"/>
+          </a:schemeClr>
+        </a:solidFill>
+        <a:round/>
+      </a:ln>
+    </cs:spPr>
+  </cs:hiLoLine>
+  <cs:leaderLine>
+    <cs:lnRef idx="0"/>
+    <cs:fillRef idx="0"/>
+    <cs:effectRef idx="0"/>
+    <cs:fontRef idx="minor">
+      <a:schemeClr val="tx1"/>
+    </cs:fontRef>
+    <cs:spPr>
+      <a:ln w="9525" cap="flat" cmpd="sng" algn="ctr">
+        <a:solidFill>
+          <a:schemeClr val="tx1">
+            <a:lumMod val="35000"/>
+            <a:lumOff val="65000"/>
+          </a:schemeClr>
+        </a:solidFill>
+        <a:round/>
+      </a:ln>
+    </cs:spPr>
+  </cs:leaderLine>
+  <cs:legend>
+    <cs:lnRef idx="0"/>
+    <cs:fillRef idx="0"/>
+    <cs:effectRef idx="0"/>
+    <cs:fontRef idx="minor">
+      <a:schemeClr val="tx1">
+        <a:lumMod val="65000"/>
+        <a:lumOff val="35000"/>
+      </a:schemeClr>
+    </cs:fontRef>
+    <cs:defRPr sz="1197" kern="1200"/>
+  </cs:legend>
+  <cs:plotArea mods="allowNoFillOverride allowNoLineOverride">
+    <cs:lnRef idx="0"/>
+    <cs:fillRef idx="0"/>
+    <cs:effectRef idx="0"/>
+    <cs:fontRef idx="minor">
+      <a:schemeClr val="tx1"/>
+    </cs:fontRef>
+  </cs:plotArea>
+  <cs:plotArea3D mods="allowNoFillOverride allowNoLineOverride">
+    <cs:lnRef idx="0"/>
+    <cs:fillRef idx="0"/>
+    <cs:effectRef idx="0"/>
+    <cs:fontRef idx="minor">
+      <a:schemeClr val="tx1"/>
+    </cs:fontRef>
+  </cs:plotArea3D>
+  <cs:seriesAxis>
+    <cs:lnRef idx="0"/>
+    <cs:fillRef idx="0"/>
+    <cs:effectRef idx="0"/>
+    <cs:fontRef idx="minor">
+      <a:schemeClr val="tx1">
+        <a:lumMod val="65000"/>
+        <a:lumOff val="35000"/>
+      </a:schemeClr>
+    </cs:fontRef>
+    <cs:defRPr sz="1197" kern="1200"/>
+  </cs:seriesAxis>
+  <cs:seriesLine>
+    <cs:lnRef idx="0"/>
+    <cs:fillRef idx="0"/>
+    <cs:effectRef idx="0"/>
+    <cs:fontRef idx="minor">
+      <a:schemeClr val="tx1"/>
+    </cs:fontRef>
+    <cs:spPr>
+      <a:ln w="9525" cap="flat" cmpd="sng" algn="ctr">
+        <a:solidFill>
+          <a:schemeClr val="tx1">
+            <a:lumMod val="35000"/>
+            <a:lumOff val="65000"/>
+          </a:schemeClr>
+        </a:solidFill>
+        <a:round/>
+      </a:ln>
+    </cs:spPr>
+  </cs:seriesLine>
+  <cs:title>
+    <cs:lnRef idx="0"/>
+    <cs:fillRef idx="0"/>
+    <cs:effectRef idx="0"/>
+    <cs:fontRef idx="minor">
+      <a:schemeClr val="tx1">
+        <a:lumMod val="65000"/>
+        <a:lumOff val="35000"/>
+      </a:schemeClr>
+    </cs:fontRef>
+    <cs:defRPr sz="1862" b="0" kern="1200" spc="0" baseline="0"/>
+  </cs:title>
+  <cs:trendline>
+    <cs:lnRef idx="0">
+      <cs:styleClr val="auto"/>
+    </cs:lnRef>
+    <cs:fillRef idx="0"/>
+    <cs:effectRef idx="0"/>
+    <cs:fontRef idx="minor">
+      <a:schemeClr val="tx1"/>
+    </cs:fontRef>
+    <cs:spPr>
+      <a:ln w="19050" cap="rnd">
+        <a:solidFill>
+          <a:schemeClr val="phClr"/>
+        </a:solidFill>
+        <a:prstDash val="sysDot"/>
+      </a:ln>
+    </cs:spPr>
+  </cs:trendline>
+  <cs:trendlineLabel>
+    <cs:lnRef idx="0"/>
+    <cs:fillRef idx="0"/>
+    <cs:effectRef idx="0"/>
+    <cs:fontRef idx="minor">
+      <a:schemeClr val="tx1">
+        <a:lumMod val="65000"/>
+        <a:lumOff val="35000"/>
+      </a:schemeClr>
+    </cs:fontRef>
+    <cs:defRPr sz="1197" kern="1200"/>
+  </cs:trendlineLabel>
+  <cs:upBar>
+    <cs:lnRef idx="0"/>
+    <cs:fillRef idx="0"/>
+    <cs:effectRef idx="0"/>
+    <cs:fontRef idx="minor">
+      <a:schemeClr val="dk1"/>
+    </cs:fontRef>
+    <cs:spPr>
+      <a:solidFill>
+        <a:schemeClr val="lt1"/>
+      </a:solidFill>
+      <a:ln w="9525">
+        <a:solidFill>
+          <a:schemeClr val="tx1">
+            <a:lumMod val="15000"/>
+            <a:lumOff val="85000"/>
+          </a:schemeClr>
+        </a:solidFill>
+      </a:ln>
+    </cs:spPr>
+  </cs:upBar>
+  <cs:valueAxis>
+    <cs:lnRef idx="0"/>
+    <cs:fillRef idx="0"/>
+    <cs:effectRef idx="0"/>
+    <cs:fontRef idx="minor">
+      <a:schemeClr val="tx1">
+        <a:lumMod val="65000"/>
+        <a:lumOff val="35000"/>
+      </a:schemeClr>
+    </cs:fontRef>
+    <cs:defRPr sz="1197" kern="1200"/>
+  </cs:valueAxis>
+  <cs:wall>
+    <cs:lnRef idx="0"/>
+    <cs:fillRef idx="0"/>
+    <cs:effectRef idx="0"/>
+    <cs:fontRef idx="minor">
+      <a:schemeClr val="tx1"/>
+    </cs:fontRef>
+    <cs:spPr>
+      <a:noFill/>
+      <a:ln>
+        <a:noFill/>
+      </a:ln>
+    </cs:spPr>
+  </cs:wall>
+</cs:chartStyle>
 </file>
 
 <file path=ppt/notesMasters/notesMaster1.xml><?xml version="1.0" encoding="utf-8"?>
@@ -5755,11 +6803,37 @@
               <a:buNone/>
             </a:pPr>
             <a:r>
+              <a:rPr lang="en-US" sz="1400" b="1" dirty="0">
+                <a:latin typeface="Times New Roman" panose="02020603050405020304" pitchFamily="18" charset="0"/>
+                <a:cs typeface="Times New Roman" panose="02020603050405020304" pitchFamily="18" charset="0"/>
+              </a:rPr>
+              <a:t>IFRS 9 compliance is mandatory </a:t>
+            </a:r>
+            <a:r>
               <a:rPr lang="en-US" sz="1400" dirty="0">
                 <a:latin typeface="Times New Roman" panose="02020603050405020304" pitchFamily="18" charset="0"/>
                 <a:cs typeface="Times New Roman" panose="02020603050405020304" pitchFamily="18" charset="0"/>
               </a:rPr>
-              <a:t>IFRS 9 compliance is mandatory for expected credit loss (ECL) reporting Manual/semi-automated processes are slow, error-prone, and difficult to audit</a:t>
+              <a:t>for expected credit loss (ECL) reporting </a:t>
+            </a:r>
+          </a:p>
+          <a:p>
+            <a:pPr marL="0" indent="0">
+              <a:buNone/>
+            </a:pPr>
+            <a:r>
+              <a:rPr lang="en-US" sz="1400" b="1" dirty="0">
+                <a:latin typeface="Times New Roman" panose="02020603050405020304" pitchFamily="18" charset="0"/>
+                <a:cs typeface="Times New Roman" panose="02020603050405020304" pitchFamily="18" charset="0"/>
+              </a:rPr>
+              <a:t>Manual/semi-automated processes </a:t>
+            </a:r>
+            <a:r>
+              <a:rPr lang="en-US" sz="1400" dirty="0">
+                <a:latin typeface="Times New Roman" panose="02020603050405020304" pitchFamily="18" charset="0"/>
+                <a:cs typeface="Times New Roman" panose="02020603050405020304" pitchFamily="18" charset="0"/>
+              </a:rPr>
+              <a:t>are slow, error-prone, and difficult to audit</a:t>
             </a:r>
           </a:p>
           <a:p>
@@ -5776,7 +6850,7 @@
               <a:buNone/>
             </a:pPr>
             <a:r>
-              <a:rPr lang="en-US" sz="1400" b="1" u="sng" dirty="0">
+              <a:rPr lang="en-US" sz="1400" b="1" dirty="0">
                 <a:latin typeface="Times New Roman" panose="02020603050405020304" pitchFamily="18" charset="0"/>
                 <a:cs typeface="Times New Roman" panose="02020603050405020304" pitchFamily="18" charset="0"/>
               </a:rPr>
@@ -5784,7 +6858,7 @@
             </a:r>
           </a:p>
           <a:p>
-            <a:pPr marL="0" indent="0">
+            <a:pPr marL="457200" lvl="1" indent="0">
               <a:buNone/>
             </a:pPr>
             <a:r>
@@ -5796,7 +6870,7 @@
             </a:r>
           </a:p>
           <a:p>
-            <a:pPr marL="0" indent="0">
+            <a:pPr marL="457200" lvl="1" indent="0">
               <a:buNone/>
             </a:pPr>
             <a:r>
@@ -5808,7 +6882,7 @@
             </a:r>
           </a:p>
           <a:p>
-            <a:pPr marL="0" indent="0">
+            <a:pPr marL="457200" lvl="1" indent="0">
               <a:buNone/>
             </a:pPr>
             <a:r>
@@ -5820,7 +6894,7 @@
             </a:r>
           </a:p>
           <a:p>
-            <a:pPr marL="0" indent="0">
+            <a:pPr marL="457200" lvl="1" indent="0">
               <a:buNone/>
             </a:pPr>
             <a:r>
@@ -5832,7 +6906,7 @@
             </a:r>
           </a:p>
           <a:p>
-            <a:pPr marL="0" indent="0">
+            <a:pPr marL="457200" lvl="1" indent="0">
               <a:buNone/>
             </a:pPr>
             <a:r>
@@ -5857,7 +6931,7 @@
               <a:buNone/>
             </a:pPr>
             <a:r>
-              <a:rPr lang="en-US" sz="1400" b="1" u="sng" dirty="0">
+              <a:rPr lang="en-US" sz="1400" b="1" dirty="0">
                 <a:latin typeface="Times New Roman" panose="02020603050405020304" pitchFamily="18" charset="0"/>
                 <a:cs typeface="Times New Roman" panose="02020603050405020304" pitchFamily="18" charset="0"/>
               </a:rPr>
@@ -5865,51 +6939,55 @@
             </a:r>
           </a:p>
           <a:p>
-            <a:pPr marL="0" indent="0">
-              <a:buNone/>
+            <a:pPr lvl="1">
+              <a:buFont typeface="Wingdings" panose="05000000000000000000" pitchFamily="2" charset="2"/>
+              <a:buChar char="Ø"/>
             </a:pPr>
             <a:r>
               <a:rPr lang="en-US" sz="1400" dirty="0">
                 <a:latin typeface="Times New Roman" panose="02020603050405020304" pitchFamily="18" charset="0"/>
                 <a:cs typeface="Times New Roman" panose="02020603050405020304" pitchFamily="18" charset="0"/>
               </a:rPr>
-              <a:t>• Reduce month-end close from days to hours</a:t>
-            </a:r>
-          </a:p>
-          <a:p>
-            <a:pPr marL="0" indent="0">
-              <a:buNone/>
+              <a:t>Reduce month-end close from days to hours</a:t>
+            </a:r>
+          </a:p>
+          <a:p>
+            <a:pPr lvl="1">
+              <a:buFont typeface="Wingdings" panose="05000000000000000000" pitchFamily="2" charset="2"/>
+              <a:buChar char="Ø"/>
             </a:pPr>
             <a:r>
               <a:rPr lang="en-US" sz="1400" dirty="0">
                 <a:latin typeface="Times New Roman" panose="02020603050405020304" pitchFamily="18" charset="0"/>
                 <a:cs typeface="Times New Roman" panose="02020603050405020304" pitchFamily="18" charset="0"/>
               </a:rPr>
-              <a:t>• Eliminate audit findings and regulator challenges</a:t>
-            </a:r>
-          </a:p>
-          <a:p>
-            <a:pPr marL="0" indent="0">
-              <a:buNone/>
+              <a:t>Eliminate audit findings and regulator challenges</a:t>
+            </a:r>
+          </a:p>
+          <a:p>
+            <a:pPr lvl="1">
+              <a:buFont typeface="Wingdings" panose="05000000000000000000" pitchFamily="2" charset="2"/>
+              <a:buChar char="Ø"/>
             </a:pPr>
             <a:r>
               <a:rPr lang="en-US" sz="1400" dirty="0">
                 <a:latin typeface="Times New Roman" panose="02020603050405020304" pitchFamily="18" charset="0"/>
                 <a:cs typeface="Times New Roman" panose="02020603050405020304" pitchFamily="18" charset="0"/>
               </a:rPr>
-              <a:t>• Enable dynamic stress testing capabilities</a:t>
-            </a:r>
-          </a:p>
-          <a:p>
-            <a:pPr marL="0" indent="0">
-              <a:buNone/>
+              <a:t>Enable dynamic stress testing capabilities</a:t>
+            </a:r>
+          </a:p>
+          <a:p>
+            <a:pPr lvl="1">
+              <a:buFont typeface="Wingdings" panose="05000000000000000000" pitchFamily="2" charset="2"/>
+              <a:buChar char="Ø"/>
             </a:pPr>
             <a:r>
               <a:rPr lang="en-US" sz="1400" dirty="0">
                 <a:latin typeface="Times New Roman" panose="02020603050405020304" pitchFamily="18" charset="0"/>
                 <a:cs typeface="Times New Roman" panose="02020603050405020304" pitchFamily="18" charset="0"/>
               </a:rPr>
-              <a:t>• Transparent, auditable methodology</a:t>
+              <a:t>Transparent, auditable methodology</a:t>
             </a:r>
           </a:p>
         </p:txBody>
@@ -5962,8 +7040,8 @@
         </p:nvSpPr>
         <p:spPr>
           <a:xfrm>
-            <a:off x="4617059" y="277910"/>
-            <a:ext cx="2109746" cy="315912"/>
+            <a:off x="2472856" y="277910"/>
+            <a:ext cx="6957391" cy="315912"/>
           </a:xfrm>
         </p:spPr>
         <p:txBody>
@@ -5977,7 +7055,7 @@
                 <a:latin typeface="Times New Roman" panose="02020603050405020304" pitchFamily="18" charset="0"/>
                 <a:cs typeface="Times New Roman" panose="02020603050405020304" pitchFamily="18" charset="0"/>
               </a:rPr>
-              <a:t>Problem Statement</a:t>
+              <a:t>Problem Statement - Current Challenges in IFRS 9 Compliance</a:t>
             </a:r>
           </a:p>
         </p:txBody>
@@ -6013,13 +7091,10 @@
             <a:pPr marL="0" indent="0">
               <a:buNone/>
             </a:pPr>
-            <a:r>
-              <a:rPr lang="en-US" sz="1400" b="1" u="sng" dirty="0">
-                <a:latin typeface="Times New Roman" panose="02020603050405020304" pitchFamily="18" charset="0"/>
-                <a:cs typeface="Times New Roman" panose="02020603050405020304" pitchFamily="18" charset="0"/>
-              </a:rPr>
-              <a:t>Current Challenges in IFRS 9 Compliance:</a:t>
-            </a:r>
+            <a:endParaRPr lang="en-US" sz="1400" b="1" u="sng" dirty="0">
+              <a:latin typeface="Times New Roman" panose="02020603050405020304" pitchFamily="18" charset="0"/>
+              <a:cs typeface="Times New Roman" panose="02020603050405020304" pitchFamily="18" charset="0"/>
+            </a:endParaRPr>
           </a:p>
           <a:p>
             <a:pPr marL="0" indent="0">
@@ -6094,28 +7169,25 @@
             </a:r>
           </a:p>
           <a:p>
-            <a:pPr marL="0" indent="0">
-              <a:buNone/>
-            </a:pPr>
-            <a:r>
-              <a:rPr lang="en-US" sz="1400" b="1" dirty="0">
-                <a:latin typeface="Times New Roman" panose="02020603050405020304" pitchFamily="18" charset="0"/>
-                <a:cs typeface="Times New Roman" panose="02020603050405020304" pitchFamily="18" charset="0"/>
-              </a:rPr>
-              <a:t>Compliance Risk:</a:t>
-            </a:r>
-          </a:p>
-          <a:p>
             <a:pPr lvl="1">
               <a:buFont typeface="Wingdings" panose="05000000000000000000" pitchFamily="2" charset="2"/>
               <a:buChar char="Ø"/>
             </a:pPr>
+            <a:endParaRPr lang="en-US" sz="1400" dirty="0">
+              <a:latin typeface="Times New Roman" panose="02020603050405020304" pitchFamily="18" charset="0"/>
+              <a:cs typeface="Times New Roman" panose="02020603050405020304" pitchFamily="18" charset="0"/>
+            </a:endParaRPr>
+          </a:p>
+          <a:p>
+            <a:pPr marL="0" indent="0">
+              <a:buNone/>
+            </a:pPr>
             <a:r>
               <a:rPr lang="en-US" sz="1400" b="1" dirty="0">
                 <a:latin typeface="Times New Roman" panose="02020603050405020304" pitchFamily="18" charset="0"/>
                 <a:cs typeface="Times New Roman" panose="02020603050405020304" pitchFamily="18" charset="0"/>
               </a:rPr>
-              <a:t>Opaque methodologies – Difficult audit defense, long review cycles</a:t>
+              <a:t>Compliance Risk:</a:t>
             </a:r>
           </a:p>
           <a:p>
@@ -6128,19 +7200,14 @@
                 <a:latin typeface="Times New Roman" panose="02020603050405020304" pitchFamily="18" charset="0"/>
                 <a:cs typeface="Times New Roman" panose="02020603050405020304" pitchFamily="18" charset="0"/>
               </a:rPr>
-              <a:t>Model risk – Unvalidated assumptions, inconsistent calculations</a:t>
-            </a:r>
-          </a:p>
-          <a:p>
-            <a:pPr marL="0" indent="0">
-              <a:buNone/>
-            </a:pPr>
-            <a:r>
-              <a:rPr lang="en-US" sz="1400" b="1" dirty="0">
-                <a:latin typeface="Times New Roman" panose="02020603050405020304" pitchFamily="18" charset="0"/>
-                <a:cs typeface="Times New Roman" panose="02020603050405020304" pitchFamily="18" charset="0"/>
-              </a:rPr>
-              <a:t>Financial Impact:</a:t>
+              <a:t>Opaque methodologies – </a:t>
+            </a:r>
+            <a:r>
+              <a:rPr lang="en-US" sz="1400" dirty="0">
+                <a:latin typeface="Times New Roman" panose="02020603050405020304" pitchFamily="18" charset="0"/>
+                <a:cs typeface="Times New Roman" panose="02020603050405020304" pitchFamily="18" charset="0"/>
+              </a:rPr>
+              <a:t>Difficult audit defense, long review cycles</a:t>
             </a:r>
           </a:p>
           <a:p>
@@ -6153,14 +7220,14 @@
                 <a:latin typeface="Times New Roman" panose="02020603050405020304" pitchFamily="18" charset="0"/>
                 <a:cs typeface="Times New Roman" panose="02020603050405020304" pitchFamily="18" charset="0"/>
               </a:rPr>
-              <a:t>High consultancy costs</a:t>
+              <a:t>Model risk – </a:t>
             </a:r>
             <a:r>
               <a:rPr lang="en-US" sz="1400" dirty="0">
                 <a:latin typeface="Times New Roman" panose="02020603050405020304" pitchFamily="18" charset="0"/>
                 <a:cs typeface="Times New Roman" panose="02020603050405020304" pitchFamily="18" charset="0"/>
               </a:rPr>
-              <a:t> – $500K+ annually for external support</a:t>
+              <a:t>Unvalidated assumptions, inconsistent calculations</a:t>
             </a:r>
           </a:p>
           <a:p>
@@ -6168,19 +7235,21 @@
               <a:buFont typeface="Wingdings" panose="05000000000000000000" pitchFamily="2" charset="2"/>
               <a:buChar char="Ø"/>
             </a:pPr>
+            <a:endParaRPr lang="en-US" sz="1400" b="1" dirty="0">
+              <a:latin typeface="Times New Roman" panose="02020603050405020304" pitchFamily="18" charset="0"/>
+              <a:cs typeface="Times New Roman" panose="02020603050405020304" pitchFamily="18" charset="0"/>
+            </a:endParaRPr>
+          </a:p>
+          <a:p>
+            <a:pPr marL="0" indent="0">
+              <a:buNone/>
+            </a:pPr>
             <a:r>
               <a:rPr lang="en-US" sz="1400" b="1" dirty="0">
                 <a:latin typeface="Times New Roman" panose="02020603050405020304" pitchFamily="18" charset="0"/>
                 <a:cs typeface="Times New Roman" panose="02020603050405020304" pitchFamily="18" charset="0"/>
               </a:rPr>
-              <a:t>Regulatory penalties</a:t>
-            </a:r>
-            <a:r>
-              <a:rPr lang="en-US" sz="1400" dirty="0">
-                <a:latin typeface="Times New Roman" panose="02020603050405020304" pitchFamily="18" charset="0"/>
-                <a:cs typeface="Times New Roman" panose="02020603050405020304" pitchFamily="18" charset="0"/>
-              </a:rPr>
-              <a:t> – Potential fines for non-compliance</a:t>
+              <a:t>Financial Impact:</a:t>
             </a:r>
           </a:p>
           <a:p>
@@ -6193,6 +7262,46 @@
                 <a:latin typeface="Times New Roman" panose="02020603050405020304" pitchFamily="18" charset="0"/>
                 <a:cs typeface="Times New Roman" panose="02020603050405020304" pitchFamily="18" charset="0"/>
               </a:rPr>
+              <a:t>High consultancy costs</a:t>
+            </a:r>
+            <a:r>
+              <a:rPr lang="en-US" sz="1400" dirty="0">
+                <a:latin typeface="Times New Roman" panose="02020603050405020304" pitchFamily="18" charset="0"/>
+                <a:cs typeface="Times New Roman" panose="02020603050405020304" pitchFamily="18" charset="0"/>
+              </a:rPr>
+              <a:t> – $500K+ annually for external support</a:t>
+            </a:r>
+          </a:p>
+          <a:p>
+            <a:pPr lvl="1">
+              <a:buFont typeface="Wingdings" panose="05000000000000000000" pitchFamily="2" charset="2"/>
+              <a:buChar char="Ø"/>
+            </a:pPr>
+            <a:r>
+              <a:rPr lang="en-US" sz="1400" b="1" dirty="0">
+                <a:latin typeface="Times New Roman" panose="02020603050405020304" pitchFamily="18" charset="0"/>
+                <a:cs typeface="Times New Roman" panose="02020603050405020304" pitchFamily="18" charset="0"/>
+              </a:rPr>
+              <a:t>Regulatory penalties</a:t>
+            </a:r>
+            <a:r>
+              <a:rPr lang="en-US" sz="1400" dirty="0">
+                <a:latin typeface="Times New Roman" panose="02020603050405020304" pitchFamily="18" charset="0"/>
+                <a:cs typeface="Times New Roman" panose="02020603050405020304" pitchFamily="18" charset="0"/>
+              </a:rPr>
+              <a:t> – Potential fines for non-compliance</a:t>
+            </a:r>
+          </a:p>
+          <a:p>
+            <a:pPr lvl="1">
+              <a:buFont typeface="Wingdings" panose="05000000000000000000" pitchFamily="2" charset="2"/>
+              <a:buChar char="Ø"/>
+            </a:pPr>
+            <a:r>
+              <a:rPr lang="en-US" sz="1400" b="1" dirty="0">
+                <a:latin typeface="Times New Roman" panose="02020603050405020304" pitchFamily="18" charset="0"/>
+                <a:cs typeface="Times New Roman" panose="02020603050405020304" pitchFamily="18" charset="0"/>
+              </a:rPr>
               <a:t>Missed insights</a:t>
             </a:r>
             <a:r>
@@ -6202,6 +7311,16 @@
               </a:rPr>
               <a:t> – Limited ability to optimize provisioning</a:t>
             </a:r>
+          </a:p>
+          <a:p>
+            <a:pPr lvl="1">
+              <a:buFont typeface="Wingdings" panose="05000000000000000000" pitchFamily="2" charset="2"/>
+              <a:buChar char="Ø"/>
+            </a:pPr>
+            <a:endParaRPr lang="en-US" sz="1400" dirty="0">
+              <a:latin typeface="Times New Roman" panose="02020603050405020304" pitchFamily="18" charset="0"/>
+              <a:cs typeface="Times New Roman" panose="02020603050405020304" pitchFamily="18" charset="0"/>
+            </a:endParaRPr>
           </a:p>
           <a:p>
             <a:pPr marL="0" indent="0">
@@ -7017,7 +8136,7 @@
               <a:buNone/>
             </a:pPr>
             <a:r>
-              <a:rPr lang="en-US" sz="1400" b="1" u="sng" dirty="0">
+              <a:rPr lang="en-US" sz="1400" b="1" dirty="0">
                 <a:latin typeface="Times New Roman" panose="02020603050405020304" pitchFamily="18" charset="0"/>
                 <a:cs typeface="Times New Roman" panose="02020603050405020304" pitchFamily="18" charset="0"/>
               </a:rPr>
@@ -7025,7 +8144,7 @@
             </a:r>
           </a:p>
           <a:p>
-            <a:pPr>
+            <a:pPr lvl="1">
               <a:buFont typeface="Wingdings" panose="05000000000000000000" pitchFamily="2" charset="2"/>
               <a:buChar char="Ø"/>
             </a:pPr>
@@ -7045,7 +8164,7 @@
             </a:r>
           </a:p>
           <a:p>
-            <a:pPr>
+            <a:pPr lvl="1">
               <a:buFont typeface="Wingdings" panose="05000000000000000000" pitchFamily="2" charset="2"/>
               <a:buChar char="Ø"/>
             </a:pPr>
@@ -7065,7 +8184,7 @@
             </a:r>
           </a:p>
           <a:p>
-            <a:pPr>
+            <a:pPr lvl="1">
               <a:buFont typeface="Wingdings" panose="05000000000000000000" pitchFamily="2" charset="2"/>
               <a:buChar char="Ø"/>
             </a:pPr>
@@ -7085,7 +8204,7 @@
             </a:r>
           </a:p>
           <a:p>
-            <a:pPr>
+            <a:pPr lvl="1">
               <a:buFont typeface="Wingdings" panose="05000000000000000000" pitchFamily="2" charset="2"/>
               <a:buChar char="Ø"/>
             </a:pPr>
@@ -7105,7 +8224,7 @@
             </a:r>
           </a:p>
           <a:p>
-            <a:pPr>
+            <a:pPr lvl="1">
               <a:buFont typeface="Wingdings" panose="05000000000000000000" pitchFamily="2" charset="2"/>
               <a:buChar char="Ø"/>
             </a:pPr>
@@ -7125,7 +8244,7 @@
             </a:r>
           </a:p>
           <a:p>
-            <a:pPr>
+            <a:pPr lvl="1">
               <a:buFont typeface="Wingdings" panose="05000000000000000000" pitchFamily="2" charset="2"/>
               <a:buChar char="Ø"/>
             </a:pPr>
@@ -7170,14 +8289,14 @@
           <p:nvPr>
             <p:extLst>
               <p:ext uri="{D42A27DB-BD31-4B8C-83A1-F6EECF244321}">
-                <p14:modId xmlns:p14="http://schemas.microsoft.com/office/powerpoint/2010/main" val="2131165686"/>
+                <p14:modId xmlns:p14="http://schemas.microsoft.com/office/powerpoint/2010/main" val="2864465655"/>
               </p:ext>
             </p:extLst>
           </p:nvPr>
         </p:nvGraphicFramePr>
         <p:xfrm>
           <a:off x="684847" y="1135591"/>
-          <a:ext cx="7378065" cy="2072640"/>
+          <a:ext cx="7378065" cy="2063153"/>
         </p:xfrm>
         <a:graphic>
           <a:graphicData uri="http://schemas.openxmlformats.org/drawingml/2006/table">
@@ -7193,21 +8312,21 @@
                     </a:ext>
                   </a:extLst>
                 </a:gridCol>
-                <a:gridCol w="2351759">
+                <a:gridCol w="2583231">
                   <a:extLst>
                     <a:ext uri="{9D8B030D-6E8A-4147-A177-3AD203B41FA5}">
                       <a16:colId xmlns:a16="http://schemas.microsoft.com/office/drawing/2014/main" val="2071315243"/>
                     </a:ext>
                   </a:extLst>
                 </a:gridCol>
-                <a:gridCol w="1686002">
+                <a:gridCol w="2130950">
                   <a:extLst>
                     <a:ext uri="{9D8B030D-6E8A-4147-A177-3AD203B41FA5}">
                       <a16:colId xmlns:a16="http://schemas.microsoft.com/office/drawing/2014/main" val="2966817886"/>
                     </a:ext>
                   </a:extLst>
                 </a:gridCol>
-                <a:gridCol w="2418045">
+                <a:gridCol w="1741625">
                   <a:extLst>
                     <a:ext uri="{9D8B030D-6E8A-4147-A177-3AD203B41FA5}">
                       <a16:colId xmlns:a16="http://schemas.microsoft.com/office/drawing/2014/main" val="579745184"/>
@@ -7769,7 +8888,7 @@
           <a:lstStyle/>
           <a:p>
             <a:r>
-              <a:rPr lang="en-US" sz="1800" b="1" dirty="0">
+              <a:rPr lang="en-US" sz="1800" b="1">
                 <a:latin typeface="Times New Roman" panose="02020603050405020304" pitchFamily="18" charset="0"/>
                 <a:cs typeface="Times New Roman" panose="02020603050405020304" pitchFamily="18" charset="0"/>
               </a:rPr>
@@ -7803,6 +8922,11 @@
             <a:off x="632460" y="697864"/>
             <a:ext cx="10459610" cy="5647277"/>
           </a:xfrm>
+          <a:ln>
+            <a:solidFill>
+              <a:schemeClr val="accent1"/>
+            </a:solidFill>
+          </a:ln>
         </p:spPr>
         <p:txBody>
           <a:bodyPr>
@@ -7825,6 +8949,15 @@
             <a:pPr marL="0" indent="0">
               <a:buNone/>
             </a:pPr>
+            <a:endParaRPr lang="en-US" sz="1400" b="1" dirty="0">
+              <a:latin typeface="Times New Roman" panose="02020603050405020304" pitchFamily="18" charset="0"/>
+              <a:cs typeface="Times New Roman" panose="02020603050405020304" pitchFamily="18" charset="0"/>
+            </a:endParaRPr>
+          </a:p>
+          <a:p>
+            <a:pPr marL="0" indent="0">
+              <a:buNone/>
+            </a:pPr>
             <a:r>
               <a:rPr lang="en-US" sz="1400" b="1" dirty="0">
                 <a:latin typeface="Times New Roman" panose="02020603050405020304" pitchFamily="18" charset="0"/>
@@ -7844,62 +8977,44 @@
             <a:pPr marL="0" indent="0">
               <a:buNone/>
             </a:pPr>
-            <a:br>
+            <a:r>
+              <a:rPr lang="en-US" sz="1400" b="1" dirty="0">
+                <a:latin typeface="Times New Roman" panose="02020603050405020304" pitchFamily="18" charset="0"/>
+                <a:cs typeface="Times New Roman" panose="02020603050405020304" pitchFamily="18" charset="0"/>
+              </a:rPr>
+              <a:t>Step 2:</a:t>
+            </a:r>
+            <a:r>
               <a:rPr lang="en-US" sz="1400" dirty="0">
                 <a:latin typeface="Times New Roman" panose="02020603050405020304" pitchFamily="18" charset="0"/>
                 <a:cs typeface="Times New Roman" panose="02020603050405020304" pitchFamily="18" charset="0"/>
               </a:rPr>
-            </a:br>
+              <a:t> Project over remaining loan term</a:t>
+            </a:r>
+          </a:p>
+          <a:p>
+            <a:pPr marL="0" indent="0">
+              <a:buNone/>
+            </a:pPr>
             <a:r>
               <a:rPr lang="en-US" sz="1400" b="1" dirty="0">
                 <a:latin typeface="Times New Roman" panose="02020603050405020304" pitchFamily="18" charset="0"/>
                 <a:cs typeface="Times New Roman" panose="02020603050405020304" pitchFamily="18" charset="0"/>
               </a:rPr>
-              <a:t>Step 2:</a:t>
+              <a:t>Step 3:</a:t>
             </a:r>
             <a:r>
               <a:rPr lang="en-US" sz="1400" dirty="0">
                 <a:latin typeface="Times New Roman" panose="02020603050405020304" pitchFamily="18" charset="0"/>
                 <a:cs typeface="Times New Roman" panose="02020603050405020304" pitchFamily="18" charset="0"/>
               </a:rPr>
-              <a:t> Project over remaining loan term</a:t>
+              <a:t> Apply scenario multipliers</a:t>
             </a:r>
           </a:p>
           <a:p>
             <a:pPr marL="0" indent="0">
               <a:buNone/>
             </a:pPr>
-            <a:br>
-              <a:rPr lang="en-US" sz="1400" dirty="0">
-                <a:latin typeface="Times New Roman" panose="02020603050405020304" pitchFamily="18" charset="0"/>
-                <a:cs typeface="Times New Roman" panose="02020603050405020304" pitchFamily="18" charset="0"/>
-              </a:rPr>
-            </a:br>
-            <a:r>
-              <a:rPr lang="en-US" sz="1400" b="1" dirty="0">
-                <a:latin typeface="Times New Roman" panose="02020603050405020304" pitchFamily="18" charset="0"/>
-                <a:cs typeface="Times New Roman" panose="02020603050405020304" pitchFamily="18" charset="0"/>
-              </a:rPr>
-              <a:t>Step 3:</a:t>
-            </a:r>
-            <a:r>
-              <a:rPr lang="en-US" sz="1400" dirty="0">
-                <a:latin typeface="Times New Roman" panose="02020603050405020304" pitchFamily="18" charset="0"/>
-                <a:cs typeface="Times New Roman" panose="02020603050405020304" pitchFamily="18" charset="0"/>
-              </a:rPr>
-              <a:t> Apply scenario multipliers</a:t>
-            </a:r>
-          </a:p>
-          <a:p>
-            <a:pPr marL="0" indent="0">
-              <a:buNone/>
-            </a:pPr>
-            <a:br>
-              <a:rPr lang="en-US" sz="1400" dirty="0">
-                <a:latin typeface="Times New Roman" panose="02020603050405020304" pitchFamily="18" charset="0"/>
-                <a:cs typeface="Times New Roman" panose="02020603050405020304" pitchFamily="18" charset="0"/>
-              </a:rPr>
-            </a:br>
             <a:r>
               <a:rPr lang="en-US" sz="1400" b="1" dirty="0">
                 <a:latin typeface="Times New Roman" panose="02020603050405020304" pitchFamily="18" charset="0"/>
@@ -7929,7 +9044,7 @@
               <a:buNone/>
             </a:pPr>
             <a:r>
-              <a:rPr lang="en-US" sz="1400" b="1" u="sng" dirty="0">
+              <a:rPr lang="en-US" sz="1400" b="1" dirty="0">
                 <a:latin typeface="Times New Roman" panose="02020603050405020304" pitchFamily="18" charset="0"/>
                 <a:cs typeface="Times New Roman" panose="02020603050405020304" pitchFamily="18" charset="0"/>
               </a:rPr>
@@ -7937,6 +9052,9 @@
             </a:r>
           </a:p>
           <a:p>
+            <a:pPr marL="0" indent="0">
+              <a:buNone/>
+            </a:pPr>
             <a:r>
               <a:rPr lang="en-US" sz="1400" b="1" dirty="0">
                 <a:latin typeface="Times New Roman" panose="02020603050405020304" pitchFamily="18" charset="0"/>
@@ -7969,14 +9087,14 @@
           <p:nvPr>
             <p:extLst>
               <p:ext uri="{D42A27DB-BD31-4B8C-83A1-F6EECF244321}">
-                <p14:modId xmlns:p14="http://schemas.microsoft.com/office/powerpoint/2010/main" val="1076966524"/>
+                <p14:modId xmlns:p14="http://schemas.microsoft.com/office/powerpoint/2010/main" val="3644745742"/>
               </p:ext>
             </p:extLst>
           </p:nvPr>
         </p:nvGraphicFramePr>
         <p:xfrm>
-          <a:off x="923346" y="3866364"/>
-          <a:ext cx="6758940" cy="1570670"/>
+          <a:off x="724066" y="3778785"/>
+          <a:ext cx="6432108" cy="1256536"/>
         </p:xfrm>
         <a:graphic>
           <a:graphicData uri="http://schemas.openxmlformats.org/drawingml/2006/table">
@@ -7985,28 +9103,28 @@
                 <a:tableStyleId>{5C22544A-7EE6-4342-B048-85BDC9FD1C3A}</a:tableStyleId>
               </a:tblPr>
               <a:tblGrid>
-                <a:gridCol w="1689735">
+                <a:gridCol w="1608027">
                   <a:extLst>
                     <a:ext uri="{9D8B030D-6E8A-4147-A177-3AD203B41FA5}">
                       <a16:colId xmlns:a16="http://schemas.microsoft.com/office/drawing/2014/main" val="1210547832"/>
                     </a:ext>
                   </a:extLst>
                 </a:gridCol>
-                <a:gridCol w="1689735">
+                <a:gridCol w="1608027">
                   <a:extLst>
                     <a:ext uri="{9D8B030D-6E8A-4147-A177-3AD203B41FA5}">
                       <a16:colId xmlns:a16="http://schemas.microsoft.com/office/drawing/2014/main" val="2838496487"/>
                     </a:ext>
                   </a:extLst>
                 </a:gridCol>
-                <a:gridCol w="1689735">
+                <a:gridCol w="1608027">
                   <a:extLst>
                     <a:ext uri="{9D8B030D-6E8A-4147-A177-3AD203B41FA5}">
                       <a16:colId xmlns:a16="http://schemas.microsoft.com/office/drawing/2014/main" val="568776226"/>
                     </a:ext>
                   </a:extLst>
                 </a:gridCol>
-                <a:gridCol w="1689735">
+                <a:gridCol w="1608027">
                   <a:extLst>
                     <a:ext uri="{9D8B030D-6E8A-4147-A177-3AD203B41FA5}">
                       <a16:colId xmlns:a16="http://schemas.microsoft.com/office/drawing/2014/main" val="2761267175"/>
@@ -8020,10 +9138,13 @@
                     <a:bodyPr/>
                     <a:lstStyle/>
                     <a:p>
-                      <a:endParaRPr lang="en-US" sz="1400" dirty="0">
-                        <a:latin typeface="Times New Roman" panose="02020603050405020304" pitchFamily="18" charset="0"/>
-                        <a:cs typeface="Times New Roman" panose="02020603050405020304" pitchFamily="18" charset="0"/>
-                      </a:endParaRPr>
+                      <a:r>
+                        <a:rPr lang="en-US" sz="1400" dirty="0">
+                          <a:latin typeface="Times New Roman" panose="02020603050405020304" pitchFamily="18" charset="0"/>
+                          <a:cs typeface="Times New Roman" panose="02020603050405020304" pitchFamily="18" charset="0"/>
+                        </a:rPr>
+                        <a:t>Months</a:t>
+                      </a:r>
                     </a:p>
                   </a:txBody>
                   <a:tcPr/>
@@ -8038,7 +9159,7 @@
                           <a:latin typeface="Times New Roman" panose="02020603050405020304" pitchFamily="18" charset="0"/>
                           <a:cs typeface="Times New Roman" panose="02020603050405020304" pitchFamily="18" charset="0"/>
                         </a:rPr>
-                        <a:t>Weight</a:t>
+                        <a:t>Base Case</a:t>
                       </a:r>
                     </a:p>
                   </a:txBody>
@@ -8054,7 +9175,7 @@
                           <a:latin typeface="Times New Roman" panose="02020603050405020304" pitchFamily="18" charset="0"/>
                           <a:cs typeface="Times New Roman" panose="02020603050405020304" pitchFamily="18" charset="0"/>
                         </a:rPr>
-                        <a:t>ECL</a:t>
+                        <a:t>Upside</a:t>
                       </a:r>
                     </a:p>
                   </a:txBody>
@@ -8070,7 +9191,7 @@
                           <a:latin typeface="Times New Roman" panose="02020603050405020304" pitchFamily="18" charset="0"/>
                           <a:cs typeface="Times New Roman" panose="02020603050405020304" pitchFamily="18" charset="0"/>
                         </a:rPr>
-                        <a:t>Weighted ECL</a:t>
+                        <a:t>Downside</a:t>
                       </a:r>
                     </a:p>
                   </a:txBody>
@@ -8093,7 +9214,7 @@
                           <a:latin typeface="Times New Roman" panose="02020603050405020304" pitchFamily="18" charset="0"/>
                           <a:cs typeface="Times New Roman" panose="02020603050405020304" pitchFamily="18" charset="0"/>
                         </a:rPr>
-                        <a:t>Base</a:t>
+                        <a:t>12</a:t>
                       </a:r>
                     </a:p>
                   </a:txBody>
@@ -8109,7 +9230,7 @@
                           <a:latin typeface="Times New Roman" panose="02020603050405020304" pitchFamily="18" charset="0"/>
                           <a:cs typeface="Times New Roman" panose="02020603050405020304" pitchFamily="18" charset="0"/>
                         </a:rPr>
-                        <a:t>50%</a:t>
+                        <a:t>2.50%</a:t>
                       </a:r>
                     </a:p>
                   </a:txBody>
@@ -8121,12 +9242,16 @@
                     <a:lstStyle/>
                     <a:p>
                       <a:r>
-                        <a:rPr lang="en-US" sz="1400" dirty="0">
-                          <a:latin typeface="Times New Roman" panose="02020603050405020304" pitchFamily="18" charset="0"/>
-                          <a:cs typeface="Times New Roman" panose="02020603050405020304" pitchFamily="18" charset="0"/>
-                        </a:rPr>
-                        <a:t>1.35M USD</a:t>
+                        <a:rPr lang="en-US" sz="1400">
+                          <a:latin typeface="Times New Roman" panose="02020603050405020304" pitchFamily="18" charset="0"/>
+                          <a:cs typeface="Times New Roman" panose="02020603050405020304" pitchFamily="18" charset="0"/>
+                        </a:rPr>
+                        <a:t>2.00%</a:t>
                       </a:r>
+                      <a:endParaRPr lang="en-US" sz="1400" dirty="0">
+                        <a:latin typeface="Times New Roman" panose="02020603050405020304" pitchFamily="18" charset="0"/>
+                        <a:cs typeface="Times New Roman" panose="02020603050405020304" pitchFamily="18" charset="0"/>
+                      </a:endParaRPr>
                     </a:p>
                   </a:txBody>
                   <a:tcPr/>
@@ -8141,7 +9266,7 @@
                           <a:latin typeface="Times New Roman" panose="02020603050405020304" pitchFamily="18" charset="0"/>
                           <a:cs typeface="Times New Roman" panose="02020603050405020304" pitchFamily="18" charset="0"/>
                         </a:rPr>
-                        <a:t>0.68M USD</a:t>
+                        <a:t>3.25%</a:t>
                       </a:r>
                     </a:p>
                   </a:txBody>
@@ -8160,12 +9285,16 @@
                     <a:lstStyle/>
                     <a:p>
                       <a:r>
-                        <a:rPr lang="en-US" sz="1400" dirty="0">
-                          <a:latin typeface="Times New Roman" panose="02020603050405020304" pitchFamily="18" charset="0"/>
-                          <a:cs typeface="Times New Roman" panose="02020603050405020304" pitchFamily="18" charset="0"/>
-                        </a:rPr>
-                        <a:t>Upside</a:t>
+                        <a:rPr lang="en-US" sz="1400">
+                          <a:latin typeface="Times New Roman" panose="02020603050405020304" pitchFamily="18" charset="0"/>
+                          <a:cs typeface="Times New Roman" panose="02020603050405020304" pitchFamily="18" charset="0"/>
+                        </a:rPr>
+                        <a:t>24</a:t>
                       </a:r>
+                      <a:endParaRPr lang="en-US" sz="1400" dirty="0">
+                        <a:latin typeface="Times New Roman" panose="02020603050405020304" pitchFamily="18" charset="0"/>
+                        <a:cs typeface="Times New Roman" panose="02020603050405020304" pitchFamily="18" charset="0"/>
+                      </a:endParaRPr>
                     </a:p>
                   </a:txBody>
                   <a:tcPr/>
@@ -8176,12 +9305,16 @@
                     <a:lstStyle/>
                     <a:p>
                       <a:r>
-                        <a:rPr lang="en-US" sz="1400" dirty="0">
-                          <a:latin typeface="Times New Roman" panose="02020603050405020304" pitchFamily="18" charset="0"/>
-                          <a:cs typeface="Times New Roman" panose="02020603050405020304" pitchFamily="18" charset="0"/>
-                        </a:rPr>
-                        <a:t>20%</a:t>
+                        <a:rPr lang="en-US" sz="1400">
+                          <a:latin typeface="Times New Roman" panose="02020603050405020304" pitchFamily="18" charset="0"/>
+                          <a:cs typeface="Times New Roman" panose="02020603050405020304" pitchFamily="18" charset="0"/>
+                        </a:rPr>
+                        <a:t>4.85%</a:t>
                       </a:r>
+                      <a:endParaRPr lang="en-US" sz="1400" dirty="0">
+                        <a:latin typeface="Times New Roman" panose="02020603050405020304" pitchFamily="18" charset="0"/>
+                        <a:cs typeface="Times New Roman" panose="02020603050405020304" pitchFamily="18" charset="0"/>
+                      </a:endParaRPr>
                     </a:p>
                   </a:txBody>
                   <a:tcPr/>
@@ -8192,12 +9325,16 @@
                     <a:lstStyle/>
                     <a:p>
                       <a:r>
-                        <a:rPr lang="en-US" sz="1400" dirty="0">
-                          <a:latin typeface="Times New Roman" panose="02020603050405020304" pitchFamily="18" charset="0"/>
-                          <a:cs typeface="Times New Roman" panose="02020603050405020304" pitchFamily="18" charset="0"/>
-                        </a:rPr>
-                        <a:t>1.08M USD</a:t>
+                        <a:rPr lang="en-US" sz="1400">
+                          <a:latin typeface="Times New Roman" panose="02020603050405020304" pitchFamily="18" charset="0"/>
+                          <a:cs typeface="Times New Roman" panose="02020603050405020304" pitchFamily="18" charset="0"/>
+                        </a:rPr>
+                        <a:t>3.88%</a:t>
                       </a:r>
+                      <a:endParaRPr lang="en-US" sz="1400" dirty="0">
+                        <a:latin typeface="Times New Roman" panose="02020603050405020304" pitchFamily="18" charset="0"/>
+                        <a:cs typeface="Times New Roman" panose="02020603050405020304" pitchFamily="18" charset="0"/>
+                      </a:endParaRPr>
                     </a:p>
                   </a:txBody>
                   <a:tcPr/>
@@ -8212,7 +9349,7 @@
                           <a:latin typeface="Times New Roman" panose="02020603050405020304" pitchFamily="18" charset="0"/>
                           <a:cs typeface="Times New Roman" panose="02020603050405020304" pitchFamily="18" charset="0"/>
                         </a:rPr>
-                        <a:t>0.22M USD</a:t>
+                        <a:t>6.30%</a:t>
                       </a:r>
                     </a:p>
                   </a:txBody>
@@ -8231,12 +9368,16 @@
                     <a:lstStyle/>
                     <a:p>
                       <a:r>
-                        <a:rPr lang="en-US" sz="1400" dirty="0">
-                          <a:latin typeface="Times New Roman" panose="02020603050405020304" pitchFamily="18" charset="0"/>
-                          <a:cs typeface="Times New Roman" panose="02020603050405020304" pitchFamily="18" charset="0"/>
-                        </a:rPr>
-                        <a:t>Downside</a:t>
+                        <a:rPr lang="en-US" sz="1400">
+                          <a:latin typeface="Times New Roman" panose="02020603050405020304" pitchFamily="18" charset="0"/>
+                          <a:cs typeface="Times New Roman" panose="02020603050405020304" pitchFamily="18" charset="0"/>
+                        </a:rPr>
+                        <a:t>36</a:t>
                       </a:r>
+                      <a:endParaRPr lang="en-US" sz="1400" dirty="0">
+                        <a:latin typeface="Times New Roman" panose="02020603050405020304" pitchFamily="18" charset="0"/>
+                        <a:cs typeface="Times New Roman" panose="02020603050405020304" pitchFamily="18" charset="0"/>
+                      </a:endParaRPr>
                     </a:p>
                   </a:txBody>
                   <a:tcPr/>
@@ -8247,12 +9388,16 @@
                     <a:lstStyle/>
                     <a:p>
                       <a:r>
-                        <a:rPr lang="en-US" sz="1400" dirty="0">
-                          <a:latin typeface="Times New Roman" panose="02020603050405020304" pitchFamily="18" charset="0"/>
-                          <a:cs typeface="Times New Roman" panose="02020603050405020304" pitchFamily="18" charset="0"/>
-                        </a:rPr>
-                        <a:t>30%</a:t>
+                        <a:rPr lang="en-US" sz="1400">
+                          <a:latin typeface="Times New Roman" panose="02020603050405020304" pitchFamily="18" charset="0"/>
+                          <a:cs typeface="Times New Roman" panose="02020603050405020304" pitchFamily="18" charset="0"/>
+                        </a:rPr>
+                        <a:t>7.05%</a:t>
                       </a:r>
+                      <a:endParaRPr lang="en-US" sz="1400" dirty="0">
+                        <a:latin typeface="Times New Roman" panose="02020603050405020304" pitchFamily="18" charset="0"/>
+                        <a:cs typeface="Times New Roman" panose="02020603050405020304" pitchFamily="18" charset="0"/>
+                      </a:endParaRPr>
                     </a:p>
                   </a:txBody>
                   <a:tcPr/>
@@ -8263,12 +9408,16 @@
                     <a:lstStyle/>
                     <a:p>
                       <a:r>
-                        <a:rPr lang="en-US" sz="1400" dirty="0">
-                          <a:latin typeface="Times New Roman" panose="02020603050405020304" pitchFamily="18" charset="0"/>
-                          <a:cs typeface="Times New Roman" panose="02020603050405020304" pitchFamily="18" charset="0"/>
-                        </a:rPr>
-                        <a:t>1.76M USD</a:t>
+                        <a:rPr lang="en-US" sz="1400">
+                          <a:latin typeface="Times New Roman" panose="02020603050405020304" pitchFamily="18" charset="0"/>
+                          <a:cs typeface="Times New Roman" panose="02020603050405020304" pitchFamily="18" charset="0"/>
+                        </a:rPr>
+                        <a:t>5.64%</a:t>
                       </a:r>
+                      <a:endParaRPr lang="en-US" sz="1400" dirty="0">
+                        <a:latin typeface="Times New Roman" panose="02020603050405020304" pitchFamily="18" charset="0"/>
+                        <a:cs typeface="Times New Roman" panose="02020603050405020304" pitchFamily="18" charset="0"/>
+                      </a:endParaRPr>
                     </a:p>
                   </a:txBody>
                   <a:tcPr/>
@@ -8283,7 +9432,7 @@
                           <a:latin typeface="Times New Roman" panose="02020603050405020304" pitchFamily="18" charset="0"/>
                           <a:cs typeface="Times New Roman" panose="02020603050405020304" pitchFamily="18" charset="0"/>
                         </a:rPr>
-                        <a:t>0.53M USD</a:t>
+                        <a:t>9.17%</a:t>
                       </a:r>
                     </a:p>
                   </a:txBody>
@@ -8295,75 +9444,35 @@
                   </a:ext>
                 </a:extLst>
               </a:tr>
-              <a:tr h="314134">
-                <a:tc>
-                  <a:txBody>
-                    <a:bodyPr/>
-                    <a:lstStyle/>
-                    <a:p>
-                      <a:r>
-                        <a:rPr lang="en-US" sz="1400" dirty="0">
-                          <a:latin typeface="Times New Roman" panose="02020603050405020304" pitchFamily="18" charset="0"/>
-                          <a:cs typeface="Times New Roman" panose="02020603050405020304" pitchFamily="18" charset="0"/>
-                        </a:rPr>
-                        <a:t>Total</a:t>
-                      </a:r>
-                    </a:p>
-                  </a:txBody>
-                  <a:tcPr/>
-                </a:tc>
-                <a:tc>
-                  <a:txBody>
-                    <a:bodyPr/>
-                    <a:lstStyle/>
-                    <a:p>
-                      <a:r>
-                        <a:rPr lang="en-US" sz="1400" dirty="0">
-                          <a:latin typeface="Times New Roman" panose="02020603050405020304" pitchFamily="18" charset="0"/>
-                          <a:cs typeface="Times New Roman" panose="02020603050405020304" pitchFamily="18" charset="0"/>
-                        </a:rPr>
-                        <a:t>100%</a:t>
-                      </a:r>
-                    </a:p>
-                  </a:txBody>
-                  <a:tcPr/>
-                </a:tc>
-                <a:tc>
-                  <a:txBody>
-                    <a:bodyPr/>
-                    <a:lstStyle/>
-                    <a:p>
-                      <a:endParaRPr lang="en-US" sz="1400" dirty="0">
-                        <a:latin typeface="Times New Roman" panose="02020603050405020304" pitchFamily="18" charset="0"/>
-                        <a:cs typeface="Times New Roman" panose="02020603050405020304" pitchFamily="18" charset="0"/>
-                      </a:endParaRPr>
-                    </a:p>
-                  </a:txBody>
-                  <a:tcPr/>
-                </a:tc>
-                <a:tc>
-                  <a:txBody>
-                    <a:bodyPr/>
-                    <a:lstStyle/>
-                    <a:p>
-                      <a:r>
-                        <a:rPr lang="en-US" sz="1400" dirty="0">
-                          <a:latin typeface="Times New Roman" panose="02020603050405020304" pitchFamily="18" charset="0"/>
-                          <a:cs typeface="Times New Roman" panose="02020603050405020304" pitchFamily="18" charset="0"/>
-                        </a:rPr>
-                        <a:t>1.4M USD</a:t>
-                      </a:r>
-                    </a:p>
-                  </a:txBody>
-                  <a:tcPr/>
-                </a:tc>
-                <a:extLst>
-                  <a:ext uri="{0D108BD9-81ED-4DB2-BD59-A6C34878D82A}">
-                    <a16:rowId xmlns:a16="http://schemas.microsoft.com/office/drawing/2014/main" val="1821219474"/>
-                  </a:ext>
-                </a:extLst>
-              </a:tr>
             </a:tbl>
+          </a:graphicData>
+        </a:graphic>
+      </p:graphicFrame>
+      <p:graphicFrame>
+        <p:nvGraphicFramePr>
+          <p:cNvPr id="15" name="Chart 14">
+            <a:extLst>
+              <a:ext uri="{FF2B5EF4-FFF2-40B4-BE49-F238E27FC236}">
+                <a16:creationId xmlns:a16="http://schemas.microsoft.com/office/drawing/2014/main" id="{B725FC35-11FA-3F79-ED50-AC3B9C0467B6}"/>
+              </a:ext>
+            </a:extLst>
+          </p:cNvPr>
+          <p:cNvGraphicFramePr/>
+          <p:nvPr>
+            <p:extLst>
+              <p:ext uri="{D42A27DB-BD31-4B8C-83A1-F6EECF244321}">
+                <p14:modId xmlns:p14="http://schemas.microsoft.com/office/powerpoint/2010/main" val="3078980250"/>
+              </p:ext>
+            </p:extLst>
+          </p:nvPr>
+        </p:nvGraphicFramePr>
+        <p:xfrm>
+          <a:off x="6635529" y="1091957"/>
+          <a:ext cx="4647372" cy="2476644"/>
+        </p:xfrm>
+        <a:graphic>
+          <a:graphicData uri="http://schemas.openxmlformats.org/drawingml/2006/chart">
+            <c:chart xmlns:c="http://schemas.openxmlformats.org/drawingml/2006/chart" xmlns:r="http://schemas.openxmlformats.org/officeDocument/2006/relationships" r:id="rId3"/>
           </a:graphicData>
         </a:graphic>
       </p:graphicFrame>
@@ -8680,14 +9789,14 @@
           <p:nvPr>
             <p:extLst>
               <p:ext uri="{D42A27DB-BD31-4B8C-83A1-F6EECF244321}">
-                <p14:modId xmlns:p14="http://schemas.microsoft.com/office/powerpoint/2010/main" val="3146130756"/>
+                <p14:modId xmlns:p14="http://schemas.microsoft.com/office/powerpoint/2010/main" val="2776292999"/>
               </p:ext>
             </p:extLst>
           </p:nvPr>
         </p:nvGraphicFramePr>
         <p:xfrm>
           <a:off x="756699" y="1564101"/>
-          <a:ext cx="6309360" cy="1146428"/>
+          <a:ext cx="6797039" cy="942402"/>
         </p:xfrm>
         <a:graphic>
           <a:graphicData uri="http://schemas.openxmlformats.org/drawingml/2006/table">
@@ -8696,21 +9805,21 @@
                 <a:tableStyleId>{5C22544A-7EE6-4342-B048-85BDC9FD1C3A}</a:tableStyleId>
               </a:tblPr>
               <a:tblGrid>
-                <a:gridCol w="2103120">
+                <a:gridCol w="2059748">
                   <a:extLst>
                     <a:ext uri="{9D8B030D-6E8A-4147-A177-3AD203B41FA5}">
                       <a16:colId xmlns:a16="http://schemas.microsoft.com/office/drawing/2014/main" val="1210547832"/>
                     </a:ext>
                   </a:extLst>
                 </a:gridCol>
-                <a:gridCol w="2103120">
+                <a:gridCol w="2549052">
                   <a:extLst>
                     <a:ext uri="{9D8B030D-6E8A-4147-A177-3AD203B41FA5}">
                       <a16:colId xmlns:a16="http://schemas.microsoft.com/office/drawing/2014/main" val="2838496487"/>
                     </a:ext>
                   </a:extLst>
                 </a:gridCol>
-                <a:gridCol w="2103120">
+                <a:gridCol w="2188239">
                   <a:extLst>
                     <a:ext uri="{9D8B030D-6E8A-4147-A177-3AD203B41FA5}">
                       <a16:colId xmlns:a16="http://schemas.microsoft.com/office/drawing/2014/main" val="568776226"/>
